--- a/Docs/PFE-CEGEFOS.pptx
+++ b/Docs/PFE-CEGEFOS.pptx
@@ -263,7 +263,7 @@
           <a:p>
             <a:fld id="{38E71762-FFDE-4483-831E-480072CD70C0}" type="datetimeFigureOut">
               <a:rPr lang="fr-FR" smtClean="0"/>
-              <a:t>29/08/2019</a:t>
+              <a:t>22/09/2019</a:t>
             </a:fld>
             <a:endParaRPr lang="fr-FR"/>
           </a:p>
@@ -433,7 +433,7 @@
           <a:p>
             <a:fld id="{38E71762-FFDE-4483-831E-480072CD70C0}" type="datetimeFigureOut">
               <a:rPr lang="fr-FR" smtClean="0"/>
-              <a:t>29/08/2019</a:t>
+              <a:t>22/09/2019</a:t>
             </a:fld>
             <a:endParaRPr lang="fr-FR"/>
           </a:p>
@@ -613,7 +613,7 @@
           <a:p>
             <a:fld id="{38E71762-FFDE-4483-831E-480072CD70C0}" type="datetimeFigureOut">
               <a:rPr lang="fr-FR" smtClean="0"/>
-              <a:t>29/08/2019</a:t>
+              <a:t>22/09/2019</a:t>
             </a:fld>
             <a:endParaRPr lang="fr-FR"/>
           </a:p>
@@ -783,7 +783,7 @@
           <a:p>
             <a:fld id="{38E71762-FFDE-4483-831E-480072CD70C0}" type="datetimeFigureOut">
               <a:rPr lang="fr-FR" smtClean="0"/>
-              <a:t>29/08/2019</a:t>
+              <a:t>22/09/2019</a:t>
             </a:fld>
             <a:endParaRPr lang="fr-FR"/>
           </a:p>
@@ -1029,7 +1029,7 @@
           <a:p>
             <a:fld id="{38E71762-FFDE-4483-831E-480072CD70C0}" type="datetimeFigureOut">
               <a:rPr lang="fr-FR" smtClean="0"/>
-              <a:t>29/08/2019</a:t>
+              <a:t>22/09/2019</a:t>
             </a:fld>
             <a:endParaRPr lang="fr-FR"/>
           </a:p>
@@ -1261,7 +1261,7 @@
           <a:p>
             <a:fld id="{38E71762-FFDE-4483-831E-480072CD70C0}" type="datetimeFigureOut">
               <a:rPr lang="fr-FR" smtClean="0"/>
-              <a:t>29/08/2019</a:t>
+              <a:t>22/09/2019</a:t>
             </a:fld>
             <a:endParaRPr lang="fr-FR"/>
           </a:p>
@@ -1628,7 +1628,7 @@
           <a:p>
             <a:fld id="{38E71762-FFDE-4483-831E-480072CD70C0}" type="datetimeFigureOut">
               <a:rPr lang="fr-FR" smtClean="0"/>
-              <a:t>29/08/2019</a:t>
+              <a:t>22/09/2019</a:t>
             </a:fld>
             <a:endParaRPr lang="fr-FR"/>
           </a:p>
@@ -1746,7 +1746,7 @@
           <a:p>
             <a:fld id="{38E71762-FFDE-4483-831E-480072CD70C0}" type="datetimeFigureOut">
               <a:rPr lang="fr-FR" smtClean="0"/>
-              <a:t>29/08/2019</a:t>
+              <a:t>22/09/2019</a:t>
             </a:fld>
             <a:endParaRPr lang="fr-FR"/>
           </a:p>
@@ -1841,7 +1841,7 @@
           <a:p>
             <a:fld id="{38E71762-FFDE-4483-831E-480072CD70C0}" type="datetimeFigureOut">
               <a:rPr lang="fr-FR" smtClean="0"/>
-              <a:t>29/08/2019</a:t>
+              <a:t>22/09/2019</a:t>
             </a:fld>
             <a:endParaRPr lang="fr-FR"/>
           </a:p>
@@ -2118,7 +2118,7 @@
           <a:p>
             <a:fld id="{38E71762-FFDE-4483-831E-480072CD70C0}" type="datetimeFigureOut">
               <a:rPr lang="fr-FR" smtClean="0"/>
-              <a:t>29/08/2019</a:t>
+              <a:t>22/09/2019</a:t>
             </a:fld>
             <a:endParaRPr lang="fr-FR"/>
           </a:p>
@@ -2371,7 +2371,7 @@
           <a:p>
             <a:fld id="{38E71762-FFDE-4483-831E-480072CD70C0}" type="datetimeFigureOut">
               <a:rPr lang="fr-FR" smtClean="0"/>
-              <a:t>29/08/2019</a:t>
+              <a:t>22/09/2019</a:t>
             </a:fld>
             <a:endParaRPr lang="fr-FR"/>
           </a:p>
@@ -2584,7 +2584,7 @@
           <a:p>
             <a:fld id="{38E71762-FFDE-4483-831E-480072CD70C0}" type="datetimeFigureOut">
               <a:rPr lang="fr-FR" smtClean="0"/>
-              <a:t>29/08/2019</a:t>
+              <a:t>22/09/2019</a:t>
             </a:fld>
             <a:endParaRPr lang="fr-FR"/>
           </a:p>
@@ -3139,11 +3139,7 @@
           <a:p>
             <a:r>
               <a:rPr lang="fr-FR" dirty="0" smtClean="0"/>
-              <a:t>UC1 – Scripts </a:t>
-            </a:r>
-            <a:r>
-              <a:rPr lang="fr-FR" dirty="0" smtClean="0"/>
-              <a:t>- </a:t>
+              <a:t>UC1 – Scripts - </a:t>
             </a:r>
             <a:r>
               <a:rPr lang="fr-FR" dirty="0" err="1"/>
@@ -3155,11 +3151,7 @@
             </a:r>
             <a:r>
               <a:rPr lang="fr-FR" dirty="0" smtClean="0"/>
-              <a:t> </a:t>
-            </a:r>
-            <a:r>
-              <a:rPr lang="fr-FR" dirty="0" smtClean="0"/>
-              <a:t>tables</a:t>
+              <a:t> tables</a:t>
             </a:r>
             <a:endParaRPr lang="fr-FR" dirty="0"/>
           </a:p>
@@ -3300,11 +3292,11 @@
             </a:r>
             <a:r>
               <a:rPr lang="fr-FR" dirty="0" err="1" smtClean="0"/>
-              <a:t>link</a:t>
-            </a:r>
-            <a:r>
-              <a:rPr lang="fr-FR" dirty="0" smtClean="0"/>
-              <a:t> to </a:t>
+              <a:t>linked</a:t>
+            </a:r>
+            <a:r>
+              <a:rPr lang="fr-FR" dirty="0" smtClean="0"/>
+              <a:t> at </a:t>
             </a:r>
             <a:r>
               <a:rPr lang="fr-FR" dirty="0" err="1" smtClean="0"/>
@@ -3312,9 +3304,12 @@
             </a:r>
             <a:r>
               <a:rPr lang="fr-FR" dirty="0" smtClean="0"/>
-              <a:t> parquets files.</a:t>
-            </a:r>
-            <a:endParaRPr lang="fr-FR" dirty="0" smtClean="0"/>
+              <a:t> parquet </a:t>
+            </a:r>
+            <a:r>
+              <a:rPr lang="fr-FR" dirty="0" smtClean="0"/>
+              <a:t>files.</a:t>
+            </a:r>
           </a:p>
           <a:p>
             <a:pPr lvl="2"/>
@@ -3391,8 +3386,12 @@
               <a:t> </a:t>
             </a:r>
             <a:r>
-              <a:rPr lang="fr-FR" dirty="0" smtClean="0"/>
-              <a:t>to </a:t>
+              <a:rPr lang="fr-FR" dirty="0" err="1" smtClean="0"/>
+              <a:t>be</a:t>
+            </a:r>
+            <a:r>
+              <a:rPr lang="fr-FR" dirty="0" smtClean="0"/>
+              <a:t> to </a:t>
             </a:r>
             <a:r>
               <a:rPr lang="fr-FR" dirty="0" err="1" smtClean="0"/>
@@ -3404,7 +3403,7 @@
             </a:r>
             <a:r>
               <a:rPr lang="fr-FR" dirty="0" err="1" smtClean="0"/>
-              <a:t>internal</a:t>
+              <a:t>managed</a:t>
             </a:r>
             <a:r>
               <a:rPr lang="fr-FR" dirty="0" smtClean="0"/>
@@ -3488,11 +3487,7 @@
             </a:r>
             <a:r>
               <a:rPr lang="fr-FR" dirty="0" smtClean="0"/>
-              <a:t> data »</a:t>
-            </a:r>
-            <a:r>
-              <a:rPr lang="fr-FR" dirty="0" smtClean="0"/>
-              <a:t>. </a:t>
+              <a:t> data ». </a:t>
             </a:r>
             <a:r>
               <a:rPr lang="fr-FR" dirty="0" err="1" smtClean="0"/>
@@ -3532,7 +3527,11 @@
             </a:r>
             <a:r>
               <a:rPr lang="fr-FR" dirty="0" smtClean="0"/>
-              <a:t> of 8 </a:t>
+              <a:t> of </a:t>
+            </a:r>
+            <a:r>
+              <a:rPr lang="fr-FR" dirty="0" smtClean="0"/>
+              <a:t>8 </a:t>
             </a:r>
             <a:r>
               <a:rPr lang="fr-FR" dirty="0" err="1" smtClean="0"/>
@@ -3568,21 +3567,8 @@
                   <a:srgbClr val="FF0000"/>
                 </a:solidFill>
               </a:rPr>
-              <a:t> </a:t>
-            </a:r>
-            <a:r>
-              <a:rPr lang="fr-FR" dirty="0" smtClean="0">
-                <a:solidFill>
-                  <a:srgbClr val="FF0000"/>
-                </a:solidFill>
-              </a:rPr>
-              <a:t>1.3.2</a:t>
-            </a:r>
-            <a:endParaRPr lang="fr-FR" dirty="0" smtClean="0">
-              <a:solidFill>
-                <a:srgbClr val="FF0000"/>
-              </a:solidFill>
-            </a:endParaRPr>
+              <a:t> 1.3.2</a:t>
+            </a:r>
           </a:p>
           <a:p>
             <a:pPr lvl="1"/>
@@ -3649,11 +3635,7 @@
           <a:p>
             <a:r>
               <a:rPr lang="fr-FR" dirty="0" smtClean="0"/>
-              <a:t>UC3 </a:t>
-            </a:r>
-            <a:r>
-              <a:rPr lang="fr-FR" dirty="0" smtClean="0"/>
-              <a:t>– </a:t>
+              <a:t>UC3 – </a:t>
             </a:r>
             <a:r>
               <a:rPr lang="fr-FR" dirty="0" err="1" smtClean="0"/>
@@ -4529,11 +4511,7 @@
           <a:p>
             <a:r>
               <a:rPr lang="fr-FR" dirty="0" smtClean="0"/>
-              <a:t>UC3 </a:t>
-            </a:r>
-            <a:r>
-              <a:rPr lang="fr-FR" dirty="0" smtClean="0"/>
-              <a:t>– </a:t>
+              <a:t>UC3 – </a:t>
             </a:r>
             <a:r>
               <a:rPr lang="fr-FR" dirty="0" err="1" smtClean="0"/>
@@ -5547,15 +5525,7 @@
           <a:p>
             <a:r>
               <a:rPr lang="fr-FR" dirty="0" smtClean="0"/>
-              <a:t>UC3 </a:t>
-            </a:r>
-            <a:r>
-              <a:rPr lang="fr-FR" dirty="0" smtClean="0"/>
-              <a:t>– </a:t>
-            </a:r>
-            <a:r>
-              <a:rPr lang="fr-FR" dirty="0" smtClean="0"/>
-              <a:t>Technologies</a:t>
+              <a:t>UC3 – Technologies</a:t>
             </a:r>
             <a:endParaRPr lang="fr-FR" dirty="0"/>
           </a:p>
@@ -5783,7 +5753,6 @@
               <a:rPr lang="fr-FR" dirty="0" smtClean="0"/>
               <a:t>.</a:t>
             </a:r>
-            <a:endParaRPr lang="fr-FR" dirty="0" smtClean="0"/>
           </a:p>
         </p:txBody>
       </p:sp>
@@ -5848,15 +5817,7 @@
           <a:p>
             <a:r>
               <a:rPr lang="fr-FR" dirty="0" smtClean="0"/>
-              <a:t>UC3 </a:t>
-            </a:r>
-            <a:r>
-              <a:rPr lang="fr-FR" dirty="0" smtClean="0"/>
-              <a:t>– </a:t>
-            </a:r>
-            <a:r>
-              <a:rPr lang="fr-FR" dirty="0" smtClean="0"/>
-              <a:t>Document Structures</a:t>
+              <a:t>UC3 – Document Structures</a:t>
             </a:r>
             <a:endParaRPr lang="fr-FR" dirty="0"/>
           </a:p>
@@ -6412,11 +6373,7 @@
           <a:p>
             <a:r>
               <a:rPr lang="fr-FR" dirty="0" smtClean="0"/>
-              <a:t>UC3 </a:t>
-            </a:r>
-            <a:r>
-              <a:rPr lang="fr-FR" dirty="0" smtClean="0"/>
-              <a:t>– </a:t>
+              <a:t>UC3 – </a:t>
             </a:r>
             <a:r>
               <a:rPr lang="fr-FR" dirty="0" err="1" smtClean="0"/>
@@ -6945,11 +6902,7 @@
           <a:p>
             <a:r>
               <a:rPr lang="fr-FR" dirty="0" smtClean="0"/>
-              <a:t>UC3 </a:t>
-            </a:r>
-            <a:r>
-              <a:rPr lang="fr-FR" dirty="0" smtClean="0"/>
-              <a:t>– </a:t>
+              <a:t>UC3 – </a:t>
             </a:r>
             <a:r>
               <a:rPr lang="fr-FR" dirty="0" err="1" smtClean="0"/>
@@ -7423,11 +7376,7 @@
           <a:p>
             <a:r>
               <a:rPr lang="fr-FR" dirty="0" smtClean="0"/>
-              <a:t>UC3 </a:t>
-            </a:r>
-            <a:r>
-              <a:rPr lang="fr-FR" dirty="0" smtClean="0"/>
-              <a:t>– </a:t>
+              <a:t>UC3 – </a:t>
             </a:r>
             <a:r>
               <a:rPr lang="fr-FR" dirty="0" err="1" smtClean="0"/>
@@ -9217,11 +9166,11 @@
           <a:p>
             <a:r>
               <a:rPr lang="fr-FR" dirty="0" smtClean="0"/>
-              <a:t>UC1 </a:t>
-            </a:r>
-            <a:r>
-              <a:rPr lang="fr-FR" dirty="0" smtClean="0"/>
-              <a:t>– Architecture - Structure</a:t>
+              <a:t>UC1 – Architecture - </a:t>
+            </a:r>
+            <a:r>
+              <a:rPr lang="fr-FR" dirty="0" smtClean="0"/>
+              <a:t>Structures</a:t>
             </a:r>
             <a:endParaRPr lang="fr-FR" dirty="0"/>
           </a:p>
@@ -9245,7 +9194,7 @@
         </p:spPr>
         <p:txBody>
           <a:bodyPr numCol="2">
-            <a:normAutofit/>
+            <a:normAutofit lnSpcReduction="10000"/>
           </a:bodyPr>
           <a:lstStyle/>
           <a:p>
@@ -9258,7 +9207,47 @@
                   <a:schemeClr val="accent1"/>
                 </a:solidFill>
               </a:rPr>
-              <a:t>1- Data to store</a:t>
+              <a:t>1- </a:t>
+            </a:r>
+            <a:r>
+              <a:rPr lang="fr-FR" sz="1600" dirty="0">
+                <a:solidFill>
+                  <a:schemeClr val="accent1"/>
+                </a:solidFill>
+              </a:rPr>
+              <a:t>User (</a:t>
+            </a:r>
+            <a:r>
+              <a:rPr lang="fr-FR" sz="1600" dirty="0" err="1">
+                <a:solidFill>
+                  <a:schemeClr val="accent1"/>
+                </a:solidFill>
+              </a:rPr>
+              <a:t>technical</a:t>
+            </a:r>
+            <a:r>
+              <a:rPr lang="fr-FR" sz="1600" dirty="0">
+                <a:solidFill>
+                  <a:schemeClr val="accent1"/>
+                </a:solidFill>
+              </a:rPr>
+              <a:t> and normal </a:t>
+            </a:r>
+            <a:r>
+              <a:rPr lang="fr-FR" sz="1600" dirty="0" err="1">
+                <a:solidFill>
+                  <a:schemeClr val="accent1"/>
+                </a:solidFill>
+              </a:rPr>
+              <a:t>users</a:t>
+            </a:r>
+            <a:r>
+              <a:rPr lang="fr-FR" sz="1600" dirty="0">
+                <a:solidFill>
+                  <a:schemeClr val="accent1"/>
+                </a:solidFill>
+              </a:rPr>
+              <a:t>)</a:t>
             </a:r>
           </a:p>
           <a:p>
@@ -9266,78 +9255,29 @@
               <a:buNone/>
             </a:pPr>
             <a:r>
-              <a:rPr lang="fr-FR" sz="1600" dirty="0" smtClean="0"/>
-              <a:t>/&lt;</a:t>
-            </a:r>
-            <a:r>
-              <a:rPr lang="fr-FR" sz="1600" dirty="0" err="1" smtClean="0"/>
-              <a:t>env</a:t>
-            </a:r>
-            <a:r>
-              <a:rPr lang="fr-FR" sz="1600" dirty="0" smtClean="0"/>
-              <a:t>&gt;/&lt;</a:t>
-            </a:r>
-            <a:r>
-              <a:rPr lang="fr-FR" sz="1600" dirty="0" err="1" smtClean="0"/>
-              <a:t>space</a:t>
-            </a:r>
-            <a:r>
-              <a:rPr lang="fr-FR" sz="1600" dirty="0" smtClean="0"/>
-              <a:t>&gt;/&lt;</a:t>
-            </a:r>
-            <a:r>
-              <a:rPr lang="fr-FR" sz="1600" dirty="0" err="1" smtClean="0"/>
-              <a:t>dataname</a:t>
-            </a:r>
-            <a:r>
-              <a:rPr lang="fr-FR" sz="1600" dirty="0" smtClean="0"/>
-              <a:t>&gt;/data/version=</a:t>
-            </a:r>
-            <a:r>
-              <a:rPr lang="fr-FR" sz="1600" dirty="0" err="1" smtClean="0"/>
-              <a:t>current</a:t>
-            </a:r>
-            <a:endParaRPr lang="fr-FR" sz="1600" dirty="0" smtClean="0"/>
+              <a:rPr lang="fr-FR" sz="1600" dirty="0"/>
+              <a:t>/user/&lt;</a:t>
+            </a:r>
+            <a:r>
+              <a:rPr lang="fr-FR" sz="1600" dirty="0" err="1"/>
+              <a:t>username</a:t>
+            </a:r>
+            <a:r>
+              <a:rPr lang="fr-FR" sz="1600" dirty="0"/>
+              <a:t>&gt;</a:t>
+            </a:r>
           </a:p>
           <a:p>
             <a:pPr marL="0" indent="0">
               <a:buNone/>
             </a:pPr>
             <a:r>
-              <a:rPr lang="fr-FR" sz="1600" dirty="0"/>
-              <a:t>/&lt;</a:t>
-            </a:r>
-            <a:r>
-              <a:rPr lang="fr-FR" sz="1600" dirty="0" err="1"/>
-              <a:t>env</a:t>
-            </a:r>
-            <a:r>
-              <a:rPr lang="fr-FR" sz="1600" dirty="0"/>
-              <a:t>&gt;/&lt;</a:t>
-            </a:r>
-            <a:r>
-              <a:rPr lang="fr-FR" sz="1600" dirty="0" err="1"/>
-              <a:t>space</a:t>
-            </a:r>
-            <a:r>
-              <a:rPr lang="fr-FR" sz="1600" dirty="0"/>
-              <a:t>&gt;/&lt;</a:t>
-            </a:r>
-            <a:r>
-              <a:rPr lang="fr-FR" sz="1600" dirty="0" err="1"/>
-              <a:t>dataname</a:t>
-            </a:r>
-            <a:r>
-              <a:rPr lang="fr-FR" sz="1600" dirty="0" smtClean="0"/>
-              <a:t>&gt;/data/version=&lt;</a:t>
-            </a:r>
-            <a:r>
-              <a:rPr lang="fr-FR" sz="1600" dirty="0" err="1" smtClean="0"/>
-              <a:t>timestamp</a:t>
-            </a:r>
-            <a:r>
-              <a:rPr lang="fr-FR" sz="1600" dirty="0" smtClean="0"/>
-              <a:t>&gt;</a:t>
+              <a:rPr lang="fr-FR" sz="1200" u="sng" dirty="0"/>
+              <a:t>Exemples</a:t>
+            </a:r>
+            <a:r>
+              <a:rPr lang="fr-FR" sz="1200" dirty="0"/>
+              <a:t>:</a:t>
             </a:r>
           </a:p>
           <a:p>
@@ -9345,69 +9285,32 @@
               <a:buNone/>
             </a:pPr>
             <a:r>
-              <a:rPr lang="fr-FR" sz="1600" u="sng" dirty="0" smtClean="0"/>
-              <a:t>Exemples</a:t>
-            </a:r>
-            <a:r>
-              <a:rPr lang="fr-FR" sz="1600" dirty="0" smtClean="0"/>
-              <a:t>:</a:t>
-            </a:r>
-            <a:endParaRPr lang="fr-FR" sz="1600" dirty="0" smtClean="0"/>
+              <a:rPr lang="fr-FR" sz="1200" dirty="0"/>
+              <a:t>/user/</a:t>
+            </a:r>
+            <a:r>
+              <a:rPr lang="fr-FR" sz="1200" dirty="0" err="1"/>
+              <a:t>dev_jo</a:t>
+            </a:r>
+            <a:endParaRPr lang="fr-FR" sz="1200" dirty="0"/>
           </a:p>
           <a:p>
             <a:pPr marL="0" indent="0">
               <a:buNone/>
             </a:pPr>
             <a:r>
-              <a:rPr lang="fr-FR" sz="1600" dirty="0" smtClean="0"/>
-              <a:t>/</a:t>
-            </a:r>
-            <a:r>
-              <a:rPr lang="fr-FR" sz="1600" dirty="0" err="1" smtClean="0"/>
-              <a:t>dev</a:t>
-            </a:r>
-            <a:r>
-              <a:rPr lang="fr-FR" sz="1600" dirty="0" smtClean="0"/>
-              <a:t>/</a:t>
-            </a:r>
-            <a:r>
-              <a:rPr lang="fr-FR" sz="1600" dirty="0" err="1" smtClean="0"/>
-              <a:t>raw</a:t>
-            </a:r>
-            <a:r>
-              <a:rPr lang="fr-FR" sz="1600" dirty="0" smtClean="0"/>
-              <a:t>/JO/data/version=</a:t>
-            </a:r>
-            <a:r>
-              <a:rPr lang="fr-FR" sz="1600" dirty="0" err="1" smtClean="0"/>
-              <a:t>current</a:t>
-            </a:r>
-            <a:endParaRPr lang="fr-FR" sz="1600" dirty="0"/>
-          </a:p>
-          <a:p>
-            <a:pPr marL="0" indent="0">
-              <a:buNone/>
-            </a:pPr>
-            <a:r>
-              <a:rPr lang="fr-FR" sz="1600" dirty="0" smtClean="0"/>
-              <a:t>/</a:t>
-            </a:r>
-            <a:r>
-              <a:rPr lang="fr-FR" sz="1600" dirty="0" err="1" smtClean="0"/>
-              <a:t>prd</a:t>
-            </a:r>
-            <a:r>
-              <a:rPr lang="fr-FR" sz="1600" dirty="0" smtClean="0"/>
-              <a:t>/</a:t>
-            </a:r>
-            <a:r>
-              <a:rPr lang="fr-FR" sz="1600" dirty="0" err="1" smtClean="0"/>
-              <a:t>lake</a:t>
-            </a:r>
-            <a:r>
-              <a:rPr lang="fr-FR" sz="1600" dirty="0" smtClean="0"/>
-              <a:t>/JO/data/version=20190709225712</a:t>
-            </a:r>
+              <a:rPr lang="fr-FR" sz="1200" dirty="0"/>
+              <a:t>/user/</a:t>
+            </a:r>
+            <a:r>
+              <a:rPr lang="fr-FR" sz="1200" dirty="0" err="1"/>
+              <a:t>arthur_t</a:t>
+            </a:r>
+            <a:endParaRPr lang="fr-FR" sz="1200" dirty="0" smtClean="0">
+              <a:solidFill>
+                <a:schemeClr val="accent1"/>
+              </a:solidFill>
+            </a:endParaRPr>
           </a:p>
           <a:p>
             <a:pPr marL="0" indent="0">
@@ -9466,29 +9369,171 @@
               <a:t>env</a:t>
             </a:r>
             <a:r>
+              <a:rPr lang="fr-FR" sz="1600" dirty="0" smtClean="0"/>
+              <a:t>&gt;/</a:t>
+            </a:r>
+            <a:r>
+              <a:rPr lang="fr-FR" sz="1600" dirty="0" err="1" smtClean="0"/>
+              <a:t>app</a:t>
+            </a:r>
+            <a:r>
+              <a:rPr lang="fr-FR" sz="1600" dirty="0" smtClean="0"/>
+              <a:t>/&lt;</a:t>
+            </a:r>
+            <a:r>
+              <a:rPr lang="fr-FR" sz="1600" dirty="0" err="1" smtClean="0"/>
+              <a:t>projectname</a:t>
+            </a:r>
+            <a:r>
               <a:rPr lang="fr-FR" sz="1600" dirty="0"/>
-              <a:t>&gt;/&lt;</a:t>
+              <a:t>&gt;/</a:t>
+            </a:r>
+            <a:r>
+              <a:rPr lang="fr-FR" sz="1600" dirty="0" smtClean="0"/>
+              <a:t>bin</a:t>
+            </a:r>
+          </a:p>
+          <a:p>
+            <a:pPr marL="0" indent="0">
+              <a:buNone/>
+            </a:pPr>
+            <a:r>
+              <a:rPr lang="fr-FR" sz="1600" dirty="0"/>
+              <a:t>/&lt;</a:t>
             </a:r>
             <a:r>
               <a:rPr lang="fr-FR" sz="1600" dirty="0" err="1"/>
-              <a:t>appname</a:t>
+              <a:t>env</a:t>
             </a:r>
             <a:r>
               <a:rPr lang="fr-FR" sz="1600" dirty="0"/>
-              <a:t>&gt;/&lt;</a:t>
+              <a:t>&gt;/</a:t>
+            </a:r>
+            <a:r>
+              <a:rPr lang="fr-FR" sz="1600" dirty="0" err="1"/>
+              <a:t>app</a:t>
+            </a:r>
+            <a:r>
+              <a:rPr lang="fr-FR" sz="1600" dirty="0"/>
+              <a:t>/&lt;</a:t>
             </a:r>
             <a:r>
               <a:rPr lang="fr-FR" sz="1600" dirty="0" err="1"/>
               <a:t>projectname</a:t>
             </a:r>
             <a:r>
+              <a:rPr lang="fr-FR" sz="1600" dirty="0" smtClean="0"/>
+              <a:t>&gt;/lib</a:t>
+            </a:r>
+          </a:p>
+          <a:p>
+            <a:pPr marL="0" indent="0">
+              <a:buNone/>
+            </a:pPr>
+            <a:r>
+              <a:rPr lang="fr-FR" sz="1600" dirty="0"/>
+              <a:t>/&lt;</a:t>
+            </a:r>
+            <a:r>
+              <a:rPr lang="fr-FR" sz="1600" dirty="0" err="1"/>
+              <a:t>env</a:t>
+            </a:r>
+            <a:r>
               <a:rPr lang="fr-FR" sz="1600" dirty="0"/>
               <a:t>&gt;/</a:t>
             </a:r>
             <a:r>
+              <a:rPr lang="fr-FR" sz="1600" dirty="0" err="1"/>
+              <a:t>app</a:t>
+            </a:r>
+            <a:r>
+              <a:rPr lang="fr-FR" sz="1600" dirty="0"/>
+              <a:t>/&lt;</a:t>
+            </a:r>
+            <a:r>
+              <a:rPr lang="fr-FR" sz="1600" dirty="0" err="1"/>
+              <a:t>projectname</a:t>
+            </a:r>
+            <a:r>
               <a:rPr lang="fr-FR" sz="1600" dirty="0" smtClean="0"/>
-              <a:t>bin</a:t>
-            </a:r>
+              <a:t>&gt;/config</a:t>
+            </a:r>
+          </a:p>
+          <a:p>
+            <a:pPr marL="0" indent="0">
+              <a:buNone/>
+            </a:pPr>
+            <a:r>
+              <a:rPr lang="fr-FR" sz="1600" dirty="0"/>
+              <a:t>/&lt;</a:t>
+            </a:r>
+            <a:r>
+              <a:rPr lang="fr-FR" sz="1600" dirty="0" err="1"/>
+              <a:t>env</a:t>
+            </a:r>
+            <a:r>
+              <a:rPr lang="fr-FR" sz="1600" dirty="0"/>
+              <a:t>&gt;/</a:t>
+            </a:r>
+            <a:r>
+              <a:rPr lang="fr-FR" sz="1600" dirty="0" err="1"/>
+              <a:t>app</a:t>
+            </a:r>
+            <a:r>
+              <a:rPr lang="fr-FR" sz="1600" dirty="0"/>
+              <a:t>/&lt;</a:t>
+            </a:r>
+            <a:r>
+              <a:rPr lang="fr-FR" sz="1600" dirty="0" err="1"/>
+              <a:t>projectname</a:t>
+            </a:r>
+            <a:r>
+              <a:rPr lang="fr-FR" sz="1600" dirty="0" smtClean="0"/>
+              <a:t>&gt;/</a:t>
+            </a:r>
+            <a:r>
+              <a:rPr lang="fr-FR" sz="1600" dirty="0" err="1" smtClean="0"/>
+              <a:t>oozie</a:t>
+            </a:r>
+            <a:endParaRPr lang="fr-FR" sz="1600" dirty="0" smtClean="0"/>
+          </a:p>
+          <a:p>
+            <a:pPr marL="0" indent="0">
+              <a:buNone/>
+            </a:pPr>
+            <a:r>
+              <a:rPr lang="fr-FR" sz="1600" dirty="0"/>
+              <a:t>/&lt;</a:t>
+            </a:r>
+            <a:r>
+              <a:rPr lang="fr-FR" sz="1600" dirty="0" err="1"/>
+              <a:t>env</a:t>
+            </a:r>
+            <a:r>
+              <a:rPr lang="fr-FR" sz="1600" dirty="0"/>
+              <a:t>&gt;/</a:t>
+            </a:r>
+            <a:r>
+              <a:rPr lang="fr-FR" sz="1600" dirty="0" err="1"/>
+              <a:t>app</a:t>
+            </a:r>
+            <a:r>
+              <a:rPr lang="fr-FR" sz="1600" dirty="0"/>
+              <a:t>/&lt;</a:t>
+            </a:r>
+            <a:r>
+              <a:rPr lang="fr-FR" sz="1600" dirty="0" err="1"/>
+              <a:t>projectname</a:t>
+            </a:r>
+            <a:r>
+              <a:rPr lang="fr-FR" sz="1600" dirty="0" smtClean="0"/>
+              <a:t>&gt;/</a:t>
+            </a:r>
+            <a:r>
+              <a:rPr lang="fr-FR" sz="1600" dirty="0" err="1" smtClean="0"/>
+              <a:t>tmp</a:t>
+            </a:r>
+            <a:endParaRPr lang="fr-FR" sz="1600" dirty="0" smtClean="0"/>
           </a:p>
           <a:p>
             <a:pPr marL="0" indent="0">
@@ -9499,20 +9544,96 @@
               <a:t>/&lt;</a:t>
             </a:r>
             <a:r>
+              <a:rPr lang="fr-FR" sz="1600" dirty="0" err="1"/>
+              <a:t>env</a:t>
+            </a:r>
+            <a:r>
+              <a:rPr lang="fr-FR" sz="1600" dirty="0"/>
+              <a:t>&gt;/</a:t>
+            </a:r>
+            <a:r>
+              <a:rPr lang="fr-FR" sz="1600" dirty="0" err="1"/>
+              <a:t>app</a:t>
+            </a:r>
+            <a:r>
+              <a:rPr lang="fr-FR" sz="1600" dirty="0"/>
+              <a:t>/&lt;</a:t>
+            </a:r>
+            <a:r>
+              <a:rPr lang="fr-FR" sz="1600" dirty="0" err="1"/>
+              <a:t>projectname</a:t>
+            </a:r>
+            <a:r>
+              <a:rPr lang="fr-FR" sz="1600" dirty="0" smtClean="0"/>
+              <a:t>&gt;/logs</a:t>
+            </a:r>
+            <a:endParaRPr lang="fr-FR" sz="1600" dirty="0"/>
+          </a:p>
+          <a:p>
+            <a:pPr marL="0" indent="0">
+              <a:buNone/>
+            </a:pPr>
+            <a:r>
+              <a:rPr lang="fr-FR" sz="1600" dirty="0" smtClean="0"/>
+              <a:t>/&lt;</a:t>
+            </a:r>
+            <a:r>
+              <a:rPr lang="fr-FR" sz="1600" dirty="0" err="1"/>
+              <a:t>env</a:t>
+            </a:r>
+            <a:r>
+              <a:rPr lang="fr-FR" sz="1600" dirty="0"/>
+              <a:t>&gt;/</a:t>
+            </a:r>
+            <a:r>
+              <a:rPr lang="fr-FR" sz="1600" dirty="0" err="1"/>
+              <a:t>app</a:t>
+            </a:r>
+            <a:r>
+              <a:rPr lang="fr-FR" sz="1600" dirty="0"/>
+              <a:t>/&lt;</a:t>
+            </a:r>
+            <a:r>
+              <a:rPr lang="fr-FR" sz="1600" dirty="0" err="1"/>
+              <a:t>projectname</a:t>
+            </a:r>
+            <a:r>
+              <a:rPr lang="fr-FR" sz="1600" dirty="0" smtClean="0"/>
+              <a:t>&gt;/scripts	{sh, </a:t>
+            </a:r>
+            <a:r>
+              <a:rPr lang="fr-FR" sz="1600" dirty="0" err="1" smtClean="0"/>
+              <a:t>bash</a:t>
+            </a:r>
+            <a:r>
+              <a:rPr lang="fr-FR" sz="1600" dirty="0" smtClean="0"/>
+              <a:t>, …}</a:t>
+            </a:r>
+            <a:endParaRPr lang="fr-FR" sz="1600" dirty="0" smtClean="0"/>
+          </a:p>
+          <a:p>
+            <a:pPr marL="0" indent="0">
+              <a:buNone/>
+            </a:pPr>
+            <a:r>
+              <a:rPr lang="fr-FR" sz="1600" dirty="0" smtClean="0"/>
+              <a:t>/&lt;</a:t>
+            </a:r>
+            <a:r>
               <a:rPr lang="fr-FR" sz="1600" dirty="0" err="1" smtClean="0"/>
               <a:t>env</a:t>
             </a:r>
             <a:r>
+              <a:rPr lang="fr-FR" sz="1600" dirty="0"/>
+              <a:t>&gt;/</a:t>
+            </a:r>
+            <a:r>
+              <a:rPr lang="fr-FR" sz="1600" dirty="0" err="1" smtClean="0"/>
+              <a:t>app</a:t>
+            </a:r>
+            <a:r>
               <a:rPr lang="fr-FR" sz="1600" dirty="0" smtClean="0"/>
-              <a:t>&gt;/&lt;</a:t>
-            </a:r>
-            <a:r>
-              <a:rPr lang="fr-FR" sz="1600" dirty="0" err="1" smtClean="0"/>
-              <a:t>appname</a:t>
-            </a:r>
-            <a:r>
-              <a:rPr lang="fr-FR" sz="1600" dirty="0" smtClean="0"/>
-              <a:t>&gt;/&lt;</a:t>
+              <a:t>/&lt;</a:t>
             </a:r>
             <a:r>
               <a:rPr lang="fr-FR" sz="1600" dirty="0" err="1" smtClean="0"/>
@@ -9527,151 +9648,6 @@
               <a:t>hive</a:t>
             </a:r>
             <a:endParaRPr lang="fr-FR" sz="1600" dirty="0" smtClean="0"/>
-          </a:p>
-          <a:p>
-            <a:pPr marL="0" indent="0">
-              <a:buNone/>
-            </a:pPr>
-            <a:r>
-              <a:rPr lang="fr-FR" sz="1600" dirty="0"/>
-              <a:t>/&lt;</a:t>
-            </a:r>
-            <a:r>
-              <a:rPr lang="fr-FR" sz="1600" dirty="0" err="1"/>
-              <a:t>env</a:t>
-            </a:r>
-            <a:r>
-              <a:rPr lang="fr-FR" sz="1600" dirty="0" smtClean="0"/>
-              <a:t>&gt;/&lt;</a:t>
-            </a:r>
-            <a:r>
-              <a:rPr lang="fr-FR" sz="1600" dirty="0" err="1" smtClean="0"/>
-              <a:t>appname</a:t>
-            </a:r>
-            <a:r>
-              <a:rPr lang="fr-FR" sz="1600" dirty="0" smtClean="0"/>
-              <a:t>&gt;/&lt;</a:t>
-            </a:r>
-            <a:r>
-              <a:rPr lang="fr-FR" sz="1600" dirty="0" err="1"/>
-              <a:t>projectname</a:t>
-            </a:r>
-            <a:r>
-              <a:rPr lang="fr-FR" sz="1600" dirty="0" smtClean="0"/>
-              <a:t>&gt;/data</a:t>
-            </a:r>
-          </a:p>
-          <a:p>
-            <a:pPr marL="0" indent="0">
-              <a:buNone/>
-            </a:pPr>
-            <a:r>
-              <a:rPr lang="fr-FR" sz="1600" u="sng" dirty="0" smtClean="0"/>
-              <a:t>Exemples</a:t>
-            </a:r>
-            <a:r>
-              <a:rPr lang="fr-FR" sz="1600" dirty="0" smtClean="0"/>
-              <a:t>:</a:t>
-            </a:r>
-            <a:endParaRPr lang="fr-FR" sz="1600" dirty="0" smtClean="0"/>
-          </a:p>
-          <a:p>
-            <a:pPr marL="0" indent="0">
-              <a:buNone/>
-            </a:pPr>
-            <a:r>
-              <a:rPr lang="fr-FR" sz="1600" dirty="0" smtClean="0"/>
-              <a:t>/</a:t>
-            </a:r>
-            <a:r>
-              <a:rPr lang="fr-FR" sz="1600" dirty="0" err="1" smtClean="0"/>
-              <a:t>dev</a:t>
-            </a:r>
-            <a:r>
-              <a:rPr lang="fr-FR" sz="1600" dirty="0" smtClean="0"/>
-              <a:t>/JO/bin/</a:t>
-            </a:r>
-            <a:r>
-              <a:rPr lang="fr-FR" sz="1600" dirty="0" err="1" smtClean="0"/>
-              <a:t>oozie</a:t>
-            </a:r>
-            <a:r>
-              <a:rPr lang="fr-FR" sz="1600" dirty="0" smtClean="0"/>
-              <a:t>/</a:t>
-            </a:r>
-            <a:r>
-              <a:rPr lang="fr-FR" sz="1600" dirty="0" err="1" smtClean="0"/>
-              <a:t>worflows</a:t>
-            </a:r>
-            <a:r>
-              <a:rPr lang="fr-FR" sz="1600" dirty="0" smtClean="0"/>
-              <a:t>/workflow.xml</a:t>
-            </a:r>
-            <a:endParaRPr lang="fr-FR" sz="1600" dirty="0" smtClean="0"/>
-          </a:p>
-          <a:p>
-            <a:pPr marL="0" indent="0">
-              <a:buNone/>
-            </a:pPr>
-            <a:r>
-              <a:rPr lang="fr-FR" sz="1600" dirty="0"/>
-              <a:t>/</a:t>
-            </a:r>
-            <a:r>
-              <a:rPr lang="fr-FR" sz="1600" dirty="0" err="1" smtClean="0"/>
-              <a:t>dev</a:t>
-            </a:r>
-            <a:r>
-              <a:rPr lang="fr-FR" sz="1600" dirty="0" smtClean="0"/>
-              <a:t>/JO/bin/</a:t>
-            </a:r>
-            <a:r>
-              <a:rPr lang="fr-FR" sz="1600" dirty="0" err="1" smtClean="0"/>
-              <a:t>oozie</a:t>
-            </a:r>
-            <a:r>
-              <a:rPr lang="fr-FR" sz="1600" dirty="0" smtClean="0"/>
-              <a:t>/</a:t>
-            </a:r>
-            <a:r>
-              <a:rPr lang="fr-FR" sz="1600" dirty="0" err="1" smtClean="0"/>
-              <a:t>coordinators</a:t>
-            </a:r>
-            <a:r>
-              <a:rPr lang="fr-FR" sz="1600" dirty="0" smtClean="0"/>
-              <a:t>/coordinator.xml</a:t>
-            </a:r>
-            <a:endParaRPr lang="fr-FR" sz="1600" dirty="0"/>
-          </a:p>
-          <a:p>
-            <a:pPr marL="0" indent="0">
-              <a:buNone/>
-            </a:pPr>
-            <a:endParaRPr lang="fr-FR" sz="1600" dirty="0" smtClean="0"/>
-          </a:p>
-          <a:p>
-            <a:pPr marL="0" indent="0">
-              <a:buNone/>
-            </a:pPr>
-            <a:endParaRPr lang="fr-FR" sz="1600" dirty="0" smtClean="0"/>
-          </a:p>
-          <a:p>
-            <a:pPr marL="0" indent="0">
-              <a:buNone/>
-            </a:pPr>
-            <a:endParaRPr lang="fr-FR" sz="1600" dirty="0"/>
-          </a:p>
-          <a:p>
-            <a:pPr marL="0" indent="0">
-              <a:buNone/>
-            </a:pPr>
-            <a:endParaRPr lang="fr-FR" sz="1600" dirty="0" smtClean="0"/>
-          </a:p>
-          <a:p>
-            <a:pPr marL="0" indent="0">
-              <a:buNone/>
-            </a:pPr>
-            <a:endParaRPr lang="fr-FR" sz="1600" dirty="0"/>
           </a:p>
           <a:p>
             <a:pPr marL="0" indent="0">
@@ -9691,7 +9667,20 @@
                   <a:schemeClr val="accent1"/>
                 </a:solidFill>
               </a:rPr>
-              <a:t>User (</a:t>
+              <a:t>Data to store</a:t>
+            </a:r>
+          </a:p>
+          <a:p>
+            <a:pPr marL="0" indent="0">
+              <a:buNone/>
+            </a:pPr>
+            <a:r>
+              <a:rPr lang="fr-FR" sz="1600" dirty="0">
+                <a:solidFill>
+                  <a:schemeClr val="accent1"/>
+                </a:solidFill>
+              </a:rPr>
+              <a:t>	a- </a:t>
             </a:r>
             <a:r>
               <a:rPr lang="fr-FR" sz="1600" dirty="0" err="1">
@@ -9699,7 +9688,7 @@
                   <a:schemeClr val="accent1"/>
                 </a:solidFill>
               </a:rPr>
-              <a:t>technical</a:t>
+              <a:t>Raw</a:t>
             </a:r>
             <a:r>
               <a:rPr lang="fr-FR" sz="1600" dirty="0">
@@ -9707,104 +9696,285 @@
                   <a:schemeClr val="accent1"/>
                 </a:solidFill>
               </a:rPr>
-              <a:t> </a:t>
-            </a:r>
-            <a:r>
-              <a:rPr lang="fr-FR" sz="1600" dirty="0" smtClean="0">
-                <a:solidFill>
-                  <a:schemeClr val="accent1"/>
-                </a:solidFill>
-              </a:rPr>
-              <a:t>and </a:t>
-            </a:r>
+              <a:t> data</a:t>
+            </a:r>
+          </a:p>
+          <a:p>
+            <a:pPr marL="0" indent="0">
+              <a:buNone/>
+            </a:pPr>
+            <a:r>
+              <a:rPr lang="fr-FR" sz="1600" dirty="0"/>
+              <a:t>/&lt;</a:t>
+            </a:r>
+            <a:r>
+              <a:rPr lang="fr-FR" sz="1600" dirty="0" err="1"/>
+              <a:t>env</a:t>
+            </a:r>
+            <a:r>
+              <a:rPr lang="fr-FR" sz="1600" dirty="0"/>
+              <a:t>&gt;/</a:t>
+            </a:r>
+            <a:r>
+              <a:rPr lang="fr-FR" sz="1600" dirty="0" err="1"/>
+              <a:t>raw</a:t>
+            </a:r>
+            <a:r>
+              <a:rPr lang="fr-FR" sz="1600" dirty="0"/>
+              <a:t>/&lt;</a:t>
+            </a:r>
+            <a:r>
+              <a:rPr lang="fr-FR" sz="1600" dirty="0" err="1"/>
+              <a:t>dataname</a:t>
+            </a:r>
+            <a:r>
+              <a:rPr lang="fr-FR" sz="1600" dirty="0"/>
+              <a:t>&gt;/data/version=</a:t>
+            </a:r>
+            <a:r>
+              <a:rPr lang="fr-FR" sz="1600" dirty="0" err="1"/>
+              <a:t>current</a:t>
+            </a:r>
+            <a:endParaRPr lang="fr-FR" sz="1600" dirty="0"/>
+          </a:p>
+          <a:p>
+            <a:pPr marL="0" indent="0">
+              <a:buNone/>
+            </a:pPr>
+            <a:r>
+              <a:rPr lang="fr-FR" sz="1600" dirty="0"/>
+              <a:t>/&lt;</a:t>
+            </a:r>
+            <a:r>
+              <a:rPr lang="fr-FR" sz="1600" dirty="0" err="1"/>
+              <a:t>env</a:t>
+            </a:r>
+            <a:r>
+              <a:rPr lang="fr-FR" sz="1600" dirty="0"/>
+              <a:t>&gt;/</a:t>
+            </a:r>
+            <a:r>
+              <a:rPr lang="fr-FR" sz="1600" dirty="0" err="1"/>
+              <a:t>raw</a:t>
+            </a:r>
+            <a:r>
+              <a:rPr lang="fr-FR" sz="1600" dirty="0"/>
+              <a:t>/&lt;</a:t>
+            </a:r>
+            <a:r>
+              <a:rPr lang="fr-FR" sz="1600" dirty="0" err="1"/>
+              <a:t>dataname</a:t>
+            </a:r>
+            <a:r>
+              <a:rPr lang="fr-FR" sz="1600" dirty="0"/>
+              <a:t>&gt;/data/version=&lt;YYYYMMDD&gt;</a:t>
+            </a:r>
+          </a:p>
+          <a:p>
+            <a:pPr marL="0" indent="0">
+              <a:buNone/>
+            </a:pPr>
+            <a:r>
+              <a:rPr lang="fr-FR" sz="1600" dirty="0"/>
+              <a:t>/&lt;</a:t>
+            </a:r>
+            <a:r>
+              <a:rPr lang="fr-FR" sz="1600" dirty="0" err="1"/>
+              <a:t>env</a:t>
+            </a:r>
+            <a:r>
+              <a:rPr lang="fr-FR" sz="1600" dirty="0"/>
+              <a:t>&gt;/</a:t>
+            </a:r>
+            <a:r>
+              <a:rPr lang="fr-FR" sz="1600" dirty="0" err="1"/>
+              <a:t>raw</a:t>
+            </a:r>
+            <a:r>
+              <a:rPr lang="fr-FR" sz="1600" dirty="0"/>
+              <a:t>/&lt;</a:t>
+            </a:r>
+            <a:r>
+              <a:rPr lang="fr-FR" sz="1600" dirty="0" err="1"/>
+              <a:t>dataname</a:t>
+            </a:r>
+            <a:r>
+              <a:rPr lang="fr-FR" sz="1600" dirty="0"/>
+              <a:t>&gt;/</a:t>
+            </a:r>
+            <a:r>
+              <a:rPr lang="fr-FR" sz="1600" dirty="0" err="1"/>
+              <a:t>hive</a:t>
+            </a:r>
+            <a:endParaRPr lang="fr-FR" sz="1600" dirty="0"/>
+          </a:p>
+          <a:p>
+            <a:pPr marL="0" indent="0">
+              <a:buNone/>
+            </a:pPr>
+            <a:r>
+              <a:rPr lang="fr-FR" sz="1100" u="sng" dirty="0"/>
+              <a:t>Exemples</a:t>
+            </a:r>
+            <a:r>
+              <a:rPr lang="fr-FR" sz="1100" dirty="0"/>
+              <a:t>:</a:t>
+            </a:r>
+          </a:p>
+          <a:p>
+            <a:pPr marL="0" indent="0">
+              <a:buNone/>
+            </a:pPr>
+            <a:r>
+              <a:rPr lang="fr-FR" sz="1100" dirty="0"/>
+              <a:t>/</a:t>
+            </a:r>
+            <a:r>
+              <a:rPr lang="fr-FR" sz="1100" dirty="0" err="1"/>
+              <a:t>dev</a:t>
+            </a:r>
+            <a:r>
+              <a:rPr lang="fr-FR" sz="1100" dirty="0"/>
+              <a:t>/</a:t>
+            </a:r>
+            <a:r>
+              <a:rPr lang="fr-FR" sz="1100" dirty="0" err="1"/>
+              <a:t>raw</a:t>
+            </a:r>
+            <a:r>
+              <a:rPr lang="fr-FR" sz="1100" dirty="0"/>
+              <a:t>/JO/data/version=</a:t>
+            </a:r>
+            <a:r>
+              <a:rPr lang="fr-FR" sz="1100" dirty="0" err="1"/>
+              <a:t>current</a:t>
+            </a:r>
+            <a:endParaRPr lang="fr-FR" sz="1100" dirty="0"/>
+          </a:p>
+          <a:p>
+            <a:pPr marL="0" indent="0">
+              <a:buNone/>
+            </a:pPr>
+            <a:r>
+              <a:rPr lang="fr-FR" sz="1100" dirty="0"/>
+              <a:t>/</a:t>
+            </a:r>
+            <a:r>
+              <a:rPr lang="fr-FR" sz="1100" dirty="0" err="1"/>
+              <a:t>prd</a:t>
+            </a:r>
+            <a:r>
+              <a:rPr lang="fr-FR" sz="1100" dirty="0"/>
+              <a:t>/</a:t>
+            </a:r>
+            <a:r>
+              <a:rPr lang="fr-FR" sz="1100" dirty="0" err="1"/>
+              <a:t>raw</a:t>
+            </a:r>
+            <a:r>
+              <a:rPr lang="fr-FR" sz="1100" dirty="0"/>
+              <a:t>/JO/data/version=20190709</a:t>
+            </a:r>
+          </a:p>
+          <a:p>
+            <a:pPr marL="0" indent="0">
+              <a:buNone/>
+            </a:pPr>
+            <a:endParaRPr lang="fr-FR" sz="1600" dirty="0"/>
+          </a:p>
+          <a:p>
+            <a:pPr marL="0" indent="0">
+              <a:buNone/>
+            </a:pPr>
             <a:r>
               <a:rPr lang="fr-FR" sz="1600" dirty="0">
                 <a:solidFill>
                   <a:schemeClr val="accent1"/>
                 </a:solidFill>
               </a:rPr>
-              <a:t>normal </a:t>
-            </a:r>
-            <a:r>
-              <a:rPr lang="fr-FR" sz="1600" dirty="0" err="1" smtClean="0">
-                <a:solidFill>
-                  <a:schemeClr val="accent1"/>
-                </a:solidFill>
-              </a:rPr>
-              <a:t>users</a:t>
-            </a:r>
-            <a:r>
-              <a:rPr lang="fr-FR" sz="1600" dirty="0" smtClean="0">
-                <a:solidFill>
-                  <a:schemeClr val="accent1"/>
-                </a:solidFill>
-              </a:rPr>
-              <a:t>)</a:t>
-            </a:r>
+              <a:t>	b- Lake data</a:t>
+            </a:r>
+          </a:p>
+          <a:p>
+            <a:pPr marL="0" indent="0">
+              <a:buNone/>
+            </a:pPr>
+            <a:r>
+              <a:rPr lang="fr-FR" sz="1600" dirty="0"/>
+              <a:t>/&lt;</a:t>
+            </a:r>
+            <a:r>
+              <a:rPr lang="fr-FR" sz="1600" dirty="0" err="1"/>
+              <a:t>env</a:t>
+            </a:r>
+            <a:r>
+              <a:rPr lang="fr-FR" sz="1600" dirty="0"/>
+              <a:t>&gt;/</a:t>
+            </a:r>
+            <a:r>
+              <a:rPr lang="fr-FR" sz="1600" dirty="0" err="1"/>
+              <a:t>lake</a:t>
+            </a:r>
+            <a:r>
+              <a:rPr lang="fr-FR" sz="1600" dirty="0"/>
+              <a:t>/&lt;</a:t>
+            </a:r>
+            <a:r>
+              <a:rPr lang="fr-FR" sz="1600" dirty="0" err="1"/>
+              <a:t>dataname</a:t>
+            </a:r>
+            <a:r>
+              <a:rPr lang="fr-FR" sz="1600" dirty="0"/>
+              <a:t>&gt;/data</a:t>
+            </a:r>
+          </a:p>
+          <a:p>
+            <a:pPr marL="0" indent="0">
+              <a:buNone/>
+            </a:pPr>
+            <a:r>
+              <a:rPr lang="fr-FR" sz="1600" dirty="0"/>
+              <a:t>/&lt;</a:t>
+            </a:r>
+            <a:r>
+              <a:rPr lang="fr-FR" sz="1600" dirty="0" err="1"/>
+              <a:t>env</a:t>
+            </a:r>
+            <a:r>
+              <a:rPr lang="fr-FR" sz="1600" dirty="0"/>
+              <a:t>&gt;/</a:t>
+            </a:r>
+            <a:r>
+              <a:rPr lang="fr-FR" sz="1600" dirty="0" err="1"/>
+              <a:t>raw</a:t>
+            </a:r>
+            <a:r>
+              <a:rPr lang="fr-FR" sz="1600" dirty="0"/>
+              <a:t>/&lt;</a:t>
+            </a:r>
+            <a:r>
+              <a:rPr lang="fr-FR" sz="1600" dirty="0" err="1"/>
+              <a:t>dataname</a:t>
+            </a:r>
+            <a:r>
+              <a:rPr lang="fr-FR" sz="1600" dirty="0"/>
+              <a:t>&gt;/</a:t>
+            </a:r>
+            <a:r>
+              <a:rPr lang="fr-FR" sz="1600" dirty="0" err="1"/>
+              <a:t>hive</a:t>
+            </a:r>
+            <a:endParaRPr lang="fr-FR" sz="1600" dirty="0"/>
+          </a:p>
+          <a:p>
+            <a:pPr marL="0" indent="0">
+              <a:buNone/>
+            </a:pPr>
             <a:endParaRPr lang="fr-FR" sz="1600" dirty="0">
               <a:solidFill>
                 <a:schemeClr val="accent1"/>
               </a:solidFill>
             </a:endParaRPr>
-          </a:p>
-          <a:p>
-            <a:pPr marL="0" indent="0">
-              <a:buNone/>
-            </a:pPr>
-            <a:r>
-              <a:rPr lang="fr-FR" sz="1600" dirty="0"/>
-              <a:t>/user/&lt;</a:t>
-            </a:r>
-            <a:r>
-              <a:rPr lang="fr-FR" sz="1600" dirty="0" err="1"/>
-              <a:t>username</a:t>
-            </a:r>
-            <a:r>
-              <a:rPr lang="fr-FR" sz="1600" dirty="0"/>
-              <a:t>&gt;</a:t>
-            </a:r>
-          </a:p>
-          <a:p>
-            <a:pPr marL="0" indent="0">
-              <a:buNone/>
-            </a:pPr>
-            <a:r>
-              <a:rPr lang="fr-FR" sz="1600" u="sng" dirty="0" smtClean="0"/>
-              <a:t>Exemples</a:t>
-            </a:r>
-            <a:r>
-              <a:rPr lang="fr-FR" sz="1600" dirty="0" smtClean="0"/>
-              <a:t>:</a:t>
-            </a:r>
-            <a:endParaRPr lang="fr-FR" sz="1600" dirty="0"/>
-          </a:p>
-          <a:p>
-            <a:pPr marL="0" indent="0">
-              <a:buNone/>
-            </a:pPr>
-            <a:r>
-              <a:rPr lang="fr-FR" sz="1600" dirty="0"/>
-              <a:t>/user/</a:t>
-            </a:r>
-            <a:r>
-              <a:rPr lang="fr-FR" sz="1600" dirty="0" err="1"/>
-              <a:t>dev_jo</a:t>
-            </a:r>
-            <a:endParaRPr lang="fr-FR" sz="1600" dirty="0"/>
-          </a:p>
-          <a:p>
-            <a:pPr marL="0" indent="0">
-              <a:buNone/>
-            </a:pPr>
-            <a:r>
-              <a:rPr lang="fr-FR" sz="1600" dirty="0"/>
-              <a:t>/user/</a:t>
-            </a:r>
-            <a:r>
-              <a:rPr lang="fr-FR" sz="1600" dirty="0" err="1"/>
-              <a:t>arthur_t</a:t>
-            </a:r>
-            <a:endParaRPr lang="fr-FR" sz="1600" dirty="0"/>
           </a:p>
           <a:p>
             <a:pPr marL="0" indent="0">
@@ -9994,11 +10164,7 @@
             </a:r>
             <a:r>
               <a:rPr lang="fr-FR" dirty="0" smtClean="0"/>
-              <a:t> </a:t>
-            </a:r>
-            <a:r>
-              <a:rPr lang="fr-FR" dirty="0" smtClean="0"/>
-              <a:t>via </a:t>
+              <a:t> via </a:t>
             </a:r>
             <a:r>
               <a:rPr lang="fr-FR" dirty="0" err="1" smtClean="0"/>
@@ -10051,15 +10217,7 @@
             </a:r>
             <a:r>
               <a:rPr lang="fr-FR" dirty="0" smtClean="0"/>
-              <a:t> command</a:t>
-            </a:r>
-            <a:r>
-              <a:rPr lang="fr-FR" dirty="0" smtClean="0"/>
-              <a:t> (</a:t>
-            </a:r>
-            <a:r>
-              <a:rPr lang="fr-FR" dirty="0" smtClean="0"/>
-              <a:t>On </a:t>
+              <a:t> command (On </a:t>
             </a:r>
             <a:r>
               <a:rPr lang="fr-FR" dirty="0" err="1" smtClean="0"/>
@@ -10069,7 +10227,6 @@
               <a:rPr lang="fr-FR" dirty="0" smtClean="0"/>
               <a:t>). </a:t>
             </a:r>
-            <a:endParaRPr lang="fr-FR" dirty="0" smtClean="0"/>
           </a:p>
           <a:p>
             <a:pPr marL="0" indent="0">
@@ -10123,7 +10280,6 @@
               <a:rPr lang="fr-FR" dirty="0" smtClean="0"/>
               <a:t>.</a:t>
             </a:r>
-            <a:endParaRPr lang="fr-FR" dirty="0" smtClean="0"/>
           </a:p>
           <a:p>
             <a:pPr marL="0" indent="0">
@@ -10297,11 +10453,7 @@
             </a:r>
             <a:r>
               <a:rPr lang="fr-FR" dirty="0" smtClean="0"/>
-              <a:t> </a:t>
-            </a:r>
-            <a:r>
-              <a:rPr lang="fr-FR" dirty="0" smtClean="0"/>
-              <a:t>:</a:t>
+              <a:t> :</a:t>
             </a:r>
           </a:p>
           <a:p>
@@ -10314,11 +10466,7 @@
             </a:r>
             <a:r>
               <a:rPr lang="fr-FR" dirty="0" smtClean="0"/>
-              <a:t>- </a:t>
-            </a:r>
-            <a:r>
-              <a:rPr lang="fr-FR" dirty="0" smtClean="0"/>
-              <a:t>CSV </a:t>
+              <a:t>- CSV </a:t>
             </a:r>
             <a:r>
               <a:rPr lang="fr-FR" dirty="0" err="1" smtClean="0"/>
@@ -10344,7 +10492,6 @@
               <a:rPr lang="fr-FR" dirty="0" smtClean="0"/>
               <a:t> change)</a:t>
             </a:r>
-            <a:endParaRPr lang="fr-FR" dirty="0" smtClean="0"/>
           </a:p>
           <a:p>
             <a:pPr marL="0" indent="0">
@@ -10352,11 +10499,7 @@
             </a:pPr>
             <a:r>
               <a:rPr lang="fr-FR" dirty="0" smtClean="0"/>
-              <a:t> - </a:t>
-            </a:r>
-            <a:r>
-              <a:rPr lang="fr-FR" dirty="0" smtClean="0"/>
-              <a:t>PARQUET </a:t>
+              <a:t> - PARQUET </a:t>
             </a:r>
             <a:r>
               <a:rPr lang="fr-FR" dirty="0" err="1" smtClean="0"/>
@@ -10390,7 +10533,6 @@
               <a:rPr lang="fr-FR" dirty="0" smtClean="0"/>
               <a:t> formats).</a:t>
             </a:r>
-            <a:endParaRPr lang="fr-FR" dirty="0" smtClean="0"/>
           </a:p>
         </p:txBody>
       </p:sp>
@@ -10454,7 +10596,6 @@
               <a:rPr lang="fr-FR" dirty="0"/>
               <a:t>Architecture - Tables</a:t>
             </a:r>
-            <a:endParaRPr lang="fr-FR" dirty="0"/>
           </a:p>
         </p:txBody>
       </p:sp>
@@ -10529,11 +10670,7 @@
             </a:r>
             <a:r>
               <a:rPr lang="fr-FR" dirty="0" smtClean="0"/>
-              <a:t> to manage (help </a:t>
-            </a:r>
-            <a:r>
-              <a:rPr lang="fr-FR" dirty="0" smtClean="0"/>
-              <a:t>to </a:t>
+              <a:t> to manage (help to </a:t>
             </a:r>
             <a:r>
               <a:rPr lang="fr-FR" dirty="0" err="1" smtClean="0"/>
@@ -10541,11 +10678,7 @@
             </a:r>
             <a:r>
               <a:rPr lang="fr-FR" dirty="0" smtClean="0"/>
-              <a:t>) </a:t>
-            </a:r>
-            <a:r>
-              <a:rPr lang="fr-FR" dirty="0" smtClean="0"/>
-              <a:t>data </a:t>
+              <a:t>) data </a:t>
             </a:r>
             <a:r>
               <a:rPr lang="fr-FR" dirty="0" err="1" smtClean="0"/>
@@ -10561,15 +10694,7 @@
             </a:r>
             <a:r>
               <a:rPr lang="fr-FR" dirty="0" smtClean="0"/>
-              <a:t> </a:t>
-            </a:r>
-            <a:r>
-              <a:rPr lang="fr-FR" dirty="0" smtClean="0"/>
-              <a:t>in </a:t>
-            </a:r>
-            <a:r>
-              <a:rPr lang="fr-FR" dirty="0" smtClean="0"/>
-              <a:t>HDFS </a:t>
+              <a:t> in HDFS </a:t>
             </a:r>
             <a:r>
               <a:rPr lang="fr-FR" dirty="0" err="1" smtClean="0"/>
@@ -10579,7 +10704,6 @@
               <a:rPr lang="fr-FR" dirty="0" smtClean="0"/>
               <a:t>: </a:t>
             </a:r>
-            <a:endParaRPr lang="fr-FR" dirty="0" smtClean="0"/>
           </a:p>
           <a:p>
             <a:pPr lvl="1"/>
@@ -10679,7 +10803,6 @@
               <a:rPr lang="fr-FR" dirty="0" smtClean="0"/>
               <a:t> data.</a:t>
             </a:r>
-            <a:endParaRPr lang="fr-FR" dirty="0" smtClean="0"/>
           </a:p>
           <a:p>
             <a:pPr lvl="1"/>
@@ -10907,7 +11030,6 @@
               <a:rPr lang="fr-FR" dirty="0"/>
               <a:t>Architecture - Technologies</a:t>
             </a:r>
-            <a:endParaRPr lang="fr-FR" dirty="0"/>
           </a:p>
         </p:txBody>
       </p:sp>
@@ -11005,7 +11127,6 @@
               <a:rPr lang="fr-FR" dirty="0" smtClean="0"/>
               <a:t>: </a:t>
             </a:r>
-            <a:endParaRPr lang="fr-FR" dirty="0" smtClean="0"/>
           </a:p>
           <a:p>
             <a:pPr marL="0" indent="0">
@@ -11043,7 +11164,6 @@
               <a:rPr lang="fr-FR" dirty="0" smtClean="0"/>
               <a:t>,</a:t>
             </a:r>
-            <a:endParaRPr lang="fr-FR" dirty="0" smtClean="0"/>
           </a:p>
           <a:p>
             <a:pPr marL="0" indent="0">
@@ -11065,7 +11185,6 @@
               <a:rPr lang="fr-FR" dirty="0" smtClean="0"/>
               <a:t> to expose data,</a:t>
             </a:r>
-            <a:endParaRPr lang="fr-FR" dirty="0" smtClean="0"/>
           </a:p>
           <a:p>
             <a:pPr marL="0" indent="0">
@@ -11077,11 +11196,7 @@
             </a:r>
             <a:r>
               <a:rPr lang="fr-FR" dirty="0" smtClean="0"/>
-              <a:t>- </a:t>
-            </a:r>
-            <a:r>
-              <a:rPr lang="fr-FR" dirty="0" smtClean="0"/>
-              <a:t>Scala/</a:t>
+              <a:t>- Scala/</a:t>
             </a:r>
             <a:r>
               <a:rPr lang="fr-FR" dirty="0" err="1" smtClean="0"/>
@@ -11099,7 +11214,6 @@
               <a:rPr lang="fr-FR" dirty="0" smtClean="0"/>
               <a:t> « complexe » ingestion,</a:t>
             </a:r>
-            <a:endParaRPr lang="fr-FR" dirty="0" smtClean="0"/>
           </a:p>
           <a:p>
             <a:pPr marL="0" indent="0">
@@ -11107,15 +11221,7 @@
             </a:pPr>
             <a:r>
               <a:rPr lang="fr-FR" dirty="0" smtClean="0"/>
-              <a:t> </a:t>
-            </a:r>
-            <a:r>
-              <a:rPr lang="fr-FR" dirty="0" smtClean="0"/>
-              <a:t>- </a:t>
-            </a:r>
-            <a:r>
-              <a:rPr lang="fr-FR" dirty="0" smtClean="0"/>
-              <a:t>HDFS as </a:t>
+              <a:t> - HDFS as </a:t>
             </a:r>
             <a:r>
               <a:rPr lang="fr-FR" dirty="0" err="1" smtClean="0"/>
@@ -11141,7 +11247,6 @@
               <a:rPr lang="fr-FR" dirty="0" smtClean="0"/>
               <a:t>,</a:t>
             </a:r>
-            <a:endParaRPr lang="fr-FR" dirty="0" smtClean="0"/>
           </a:p>
           <a:p>
             <a:pPr marL="0" indent="0">
@@ -11149,11 +11254,7 @@
             </a:pPr>
             <a:r>
               <a:rPr lang="fr-FR" dirty="0" smtClean="0"/>
-              <a:t> - </a:t>
-            </a:r>
-            <a:r>
-              <a:rPr lang="fr-FR" dirty="0" smtClean="0"/>
-              <a:t>Shell to scripts </a:t>
+              <a:t> - Shell to scripts </a:t>
             </a:r>
             <a:r>
               <a:rPr lang="fr-FR" dirty="0" err="1" smtClean="0"/>
@@ -11261,11 +11362,7 @@
           <a:p>
             <a:r>
               <a:rPr lang="fr-FR" dirty="0" smtClean="0"/>
-              <a:t>UC1 – </a:t>
-            </a:r>
-            <a:r>
-              <a:rPr lang="fr-FR" dirty="0" smtClean="0"/>
-              <a:t>Scripts - Ingestion - </a:t>
+              <a:t>UC1 – Scripts - Ingestion - </a:t>
             </a:r>
             <a:r>
               <a:rPr lang="fr-FR" sz="3600" dirty="0" err="1" smtClean="0"/>
@@ -11288,7 +11385,7 @@
         <p:spPr/>
         <p:txBody>
           <a:bodyPr>
-            <a:normAutofit fontScale="92500"/>
+            <a:normAutofit fontScale="92500" lnSpcReduction="10000"/>
           </a:bodyPr>
           <a:lstStyle/>
           <a:p>
@@ -11310,11 +11407,7 @@
             </a:r>
             <a:r>
               <a:rPr lang="fr-FR" dirty="0" smtClean="0"/>
-              <a:t> slide</a:t>
-            </a:r>
-            <a:r>
-              <a:rPr lang="fr-FR" dirty="0" smtClean="0"/>
-              <a:t>, </a:t>
+              <a:t> slide, </a:t>
             </a:r>
             <a:r>
               <a:rPr lang="fr-FR" dirty="0" smtClean="0">
@@ -11330,7 +11423,7 @@
                   <a:schemeClr val="accent1"/>
                 </a:solidFill>
               </a:rPr>
-              <a:t>Spark</a:t>
+              <a:t>Hadoop</a:t>
             </a:r>
             <a:r>
               <a:rPr lang="fr-FR" dirty="0" smtClean="0">
@@ -11341,6 +11434,38 @@
               <a:t> </a:t>
             </a:r>
             <a:r>
+              <a:rPr lang="fr-FR" dirty="0" err="1" smtClean="0">
+                <a:solidFill>
+                  <a:schemeClr val="accent1"/>
+                </a:solidFill>
+              </a:rPr>
+              <a:t>FileSystem</a:t>
+            </a:r>
+            <a:r>
+              <a:rPr lang="fr-FR" dirty="0" smtClean="0">
+                <a:solidFill>
+                  <a:schemeClr val="accent1"/>
+                </a:solidFill>
+              </a:rPr>
+              <a:t>(</a:t>
+            </a:r>
+            <a:r>
+              <a:rPr lang="fr-FR" dirty="0" err="1" smtClean="0">
+                <a:solidFill>
+                  <a:schemeClr val="accent1"/>
+                </a:solidFill>
+              </a:rPr>
+              <a:t>Spark</a:t>
+            </a:r>
+            <a:r>
+              <a:rPr lang="fr-FR" dirty="0" smtClean="0">
+                <a:solidFill>
+                  <a:schemeClr val="accent1"/>
+                </a:solidFill>
+              </a:rPr>
+              <a:t>) </a:t>
+            </a:r>
+            <a:r>
               <a:rPr lang="fr-FR" dirty="0" err="1" smtClean="0"/>
               <a:t>is</a:t>
             </a:r>
@@ -11362,13 +11487,8 @@
             </a:r>
             <a:r>
               <a:rPr lang="fr-FR" dirty="0" smtClean="0"/>
-              <a:t> data</a:t>
-            </a:r>
-            <a:r>
-              <a:rPr lang="fr-FR" dirty="0" smtClean="0"/>
-              <a:t>.</a:t>
-            </a:r>
-            <a:endParaRPr lang="fr-FR" dirty="0" smtClean="0"/>
+              <a:t> data.</a:t>
+            </a:r>
           </a:p>
           <a:p>
             <a:pPr lvl="1"/>
@@ -11382,7 +11502,15 @@
             </a:r>
             <a:r>
               <a:rPr lang="fr-FR" dirty="0" smtClean="0"/>
-              <a:t> are store </a:t>
+              <a:t> are </a:t>
+            </a:r>
+            <a:r>
+              <a:rPr lang="fr-FR" dirty="0" err="1" smtClean="0"/>
+              <a:t>stored</a:t>
+            </a:r>
+            <a:r>
+              <a:rPr lang="fr-FR" dirty="0" smtClean="0"/>
+              <a:t> </a:t>
             </a:r>
             <a:r>
               <a:rPr lang="fr-FR" dirty="0" err="1" smtClean="0"/>
@@ -11390,11 +11518,7 @@
             </a:r>
             <a:r>
               <a:rPr lang="fr-FR" dirty="0" smtClean="0"/>
-              <a:t> </a:t>
-            </a:r>
-            <a:r>
-              <a:rPr lang="fr-FR" dirty="0" smtClean="0"/>
-              <a:t>a </a:t>
+              <a:t> a </a:t>
             </a:r>
             <a:r>
               <a:rPr lang="fr-FR" dirty="0" err="1" smtClean="0"/>
@@ -11418,15 +11542,7 @@
             </a:r>
             <a:r>
               <a:rPr lang="fr-FR" dirty="0" smtClean="0"/>
-              <a:t> </a:t>
-            </a:r>
-            <a:r>
-              <a:rPr lang="fr-FR" dirty="0" smtClean="0"/>
-              <a:t>cluster</a:t>
-            </a:r>
-            <a:r>
-              <a:rPr lang="fr-FR" dirty="0" smtClean="0"/>
-              <a:t>.</a:t>
+              <a:t> cluster.</a:t>
             </a:r>
           </a:p>
           <a:p>
@@ -11469,11 +11585,7 @@
             </a:r>
             <a:r>
               <a:rPr lang="fr-FR" dirty="0" smtClean="0"/>
-              <a:t> »</a:t>
-            </a:r>
-            <a:r>
-              <a:rPr lang="fr-FR" dirty="0" smtClean="0"/>
-              <a:t>. The </a:t>
+              <a:t> ». The </a:t>
             </a:r>
             <a:r>
               <a:rPr lang="fr-FR" dirty="0" err="1" smtClean="0"/>
@@ -11511,7 +11623,6 @@
               <a:rPr lang="fr-FR" dirty="0" smtClean="0"/>
               <a:t>&gt;.csv</a:t>
             </a:r>
-            <a:endParaRPr lang="fr-FR" dirty="0" smtClean="0"/>
           </a:p>
           <a:p>
             <a:pPr lvl="1"/>
@@ -11761,15 +11872,105 @@
             </a:r>
             <a:r>
               <a:rPr lang="fr-FR" dirty="0" smtClean="0"/>
-              <a:t> ingestion.</a:t>
-            </a:r>
-            <a:endParaRPr lang="fr-FR" dirty="0" smtClean="0"/>
+              <a:t> ingestion</a:t>
+            </a:r>
+            <a:r>
+              <a:rPr lang="fr-FR" dirty="0" smtClean="0"/>
+              <a:t>.</a:t>
+            </a:r>
           </a:p>
           <a:p>
             <a:pPr lvl="1"/>
             <a:r>
-              <a:rPr lang="fr-FR" dirty="0" smtClean="0"/>
-              <a:t>A </a:t>
+              <a:rPr lang="fr-FR" dirty="0"/>
+              <a:t>The file </a:t>
+            </a:r>
+            <a:r>
+              <a:rPr lang="fr-FR" dirty="0" err="1"/>
+              <a:t>present</a:t>
+            </a:r>
+            <a:r>
+              <a:rPr lang="fr-FR" dirty="0"/>
+              <a:t> </a:t>
+            </a:r>
+            <a:r>
+              <a:rPr lang="fr-FR" dirty="0" err="1"/>
+              <a:t>into</a:t>
+            </a:r>
+            <a:r>
+              <a:rPr lang="fr-FR" dirty="0"/>
+              <a:t> host </a:t>
+            </a:r>
+            <a:r>
+              <a:rPr lang="fr-FR" dirty="0" err="1"/>
+              <a:t>is</a:t>
+            </a:r>
+            <a:r>
+              <a:rPr lang="fr-FR" dirty="0"/>
+              <a:t> </a:t>
+            </a:r>
+            <a:r>
+              <a:rPr lang="fr-FR" dirty="0" err="1"/>
+              <a:t>moved</a:t>
+            </a:r>
+            <a:r>
+              <a:rPr lang="fr-FR" dirty="0"/>
+              <a:t> </a:t>
+            </a:r>
+            <a:r>
+              <a:rPr lang="fr-FR" dirty="0" err="1"/>
+              <a:t>into</a:t>
+            </a:r>
+            <a:r>
+              <a:rPr lang="fr-FR" dirty="0"/>
+              <a:t> « </a:t>
+            </a:r>
+            <a:r>
+              <a:rPr lang="fr-FR" dirty="0" err="1"/>
+              <a:t>done</a:t>
+            </a:r>
+            <a:r>
+              <a:rPr lang="fr-FR" dirty="0"/>
+              <a:t> » </a:t>
+            </a:r>
+            <a:r>
+              <a:rPr lang="fr-FR" dirty="0" err="1"/>
+              <a:t>folder</a:t>
+            </a:r>
+            <a:r>
+              <a:rPr lang="fr-FR" dirty="0"/>
+              <a:t> to </a:t>
+            </a:r>
+            <a:r>
+              <a:rPr lang="fr-FR" dirty="0" err="1"/>
+              <a:t>avoid</a:t>
+            </a:r>
+            <a:r>
+              <a:rPr lang="fr-FR" dirty="0"/>
+              <a:t> </a:t>
+            </a:r>
+            <a:r>
+              <a:rPr lang="fr-FR" dirty="0" err="1"/>
+              <a:t>additional</a:t>
+            </a:r>
+            <a:r>
+              <a:rPr lang="fr-FR" dirty="0"/>
+              <a:t> copy</a:t>
+            </a:r>
+            <a:r>
+              <a:rPr lang="fr-FR" dirty="0"/>
+              <a:t>.</a:t>
+            </a:r>
+          </a:p>
+          <a:p>
+            <a:pPr lvl="1"/>
+            <a:r>
+              <a:rPr lang="fr-FR" dirty="0" err="1" smtClean="0"/>
+              <a:t>Example</a:t>
+            </a:r>
+            <a:r>
+              <a:rPr lang="fr-FR" dirty="0" smtClean="0"/>
+              <a:t> of </a:t>
             </a:r>
             <a:r>
               <a:rPr lang="fr-FR" dirty="0" err="1" smtClean="0"/>
@@ -11777,101 +11978,73 @@
             </a:r>
             <a:r>
               <a:rPr lang="fr-FR" dirty="0" smtClean="0"/>
-              <a:t> </a:t>
-            </a:r>
-            <a:r>
-              <a:rPr lang="fr-FR" dirty="0" err="1" smtClean="0"/>
-              <a:t>example</a:t>
-            </a:r>
-            <a:r>
-              <a:rPr lang="fr-FR" dirty="0" smtClean="0"/>
-              <a:t> </a:t>
-            </a:r>
-            <a:r>
-              <a:rPr lang="fr-FR" dirty="0" err="1" smtClean="0"/>
-              <a:t>can</a:t>
-            </a:r>
-            <a:r>
-              <a:rPr lang="fr-FR" dirty="0" smtClean="0"/>
-              <a:t> </a:t>
-            </a:r>
-            <a:r>
-              <a:rPr lang="fr-FR" dirty="0" err="1" smtClean="0"/>
-              <a:t>be</a:t>
-            </a:r>
-            <a:r>
-              <a:rPr lang="fr-FR" dirty="0" smtClean="0"/>
               <a:t>: </a:t>
             </a:r>
             <a:r>
-              <a:rPr lang="fr-FR" dirty="0" smtClean="0"/>
+              <a:rPr lang="fr-FR" sz="1700" dirty="0" smtClean="0"/>
               <a:t>/</a:t>
             </a:r>
             <a:r>
-              <a:rPr lang="fr-FR" dirty="0" err="1" smtClean="0"/>
+              <a:rPr lang="fr-FR" sz="1700" dirty="0" err="1" smtClean="0"/>
               <a:t>dev</a:t>
             </a:r>
             <a:r>
-              <a:rPr lang="fr-FR" dirty="0" smtClean="0"/>
+              <a:rPr lang="fr-FR" sz="1700" dirty="0" smtClean="0"/>
               <a:t>/</a:t>
             </a:r>
             <a:r>
-              <a:rPr lang="fr-FR" dirty="0" err="1" smtClean="0"/>
+              <a:rPr lang="fr-FR" sz="1700" dirty="0" err="1" smtClean="0"/>
               <a:t>raw</a:t>
             </a:r>
             <a:r>
-              <a:rPr lang="fr-FR" dirty="0" smtClean="0"/>
+              <a:rPr lang="fr-FR" sz="1700" dirty="0" smtClean="0"/>
               <a:t>/JO/data/version=</a:t>
             </a:r>
             <a:r>
-              <a:rPr lang="fr-FR" dirty="0" err="1" smtClean="0"/>
+              <a:rPr lang="fr-FR" sz="1700" dirty="0" err="1" smtClean="0"/>
               <a:t>current</a:t>
             </a:r>
             <a:r>
-              <a:rPr lang="fr-FR" dirty="0" smtClean="0"/>
-              <a:t>/2018-summer/xxxxx.csv</a:t>
-            </a:r>
-            <a:endParaRPr lang="fr-FR" dirty="0" smtClean="0"/>
+              <a:rPr lang="fr-FR" sz="1700" dirty="0" smtClean="0"/>
+              <a:t>/2016-summer/xxxxx.csv</a:t>
+            </a:r>
+            <a:endParaRPr lang="fr-FR" sz="1700" dirty="0" smtClean="0"/>
           </a:p>
           <a:p>
             <a:pPr lvl="1"/>
             <a:r>
-              <a:rPr lang="fr-FR" dirty="0" smtClean="0"/>
-              <a:t>An archive version </a:t>
-            </a:r>
-            <a:r>
-              <a:rPr lang="fr-FR" dirty="0" err="1" smtClean="0"/>
-              <a:t>can</a:t>
-            </a:r>
-            <a:r>
-              <a:rPr lang="fr-FR" dirty="0" smtClean="0"/>
-              <a:t> </a:t>
-            </a:r>
-            <a:r>
-              <a:rPr lang="fr-FR" dirty="0" err="1" smtClean="0"/>
-              <a:t>be</a:t>
+              <a:rPr lang="fr-FR" dirty="0" err="1" smtClean="0"/>
+              <a:t>Example</a:t>
+            </a:r>
+            <a:r>
+              <a:rPr lang="fr-FR" dirty="0" smtClean="0"/>
+              <a:t> of archive </a:t>
+            </a:r>
+            <a:r>
+              <a:rPr lang="fr-FR" dirty="0" err="1" smtClean="0"/>
+              <a:t>path</a:t>
             </a:r>
             <a:r>
               <a:rPr lang="fr-FR" dirty="0" smtClean="0"/>
               <a:t>: </a:t>
             </a:r>
             <a:r>
-              <a:rPr lang="fr-FR" dirty="0" smtClean="0"/>
+              <a:rPr lang="fr-FR" sz="1900" dirty="0" smtClean="0"/>
               <a:t>/</a:t>
             </a:r>
             <a:r>
-              <a:rPr lang="fr-FR" dirty="0" smtClean="0"/>
+              <a:rPr lang="fr-FR" sz="1900" dirty="0" smtClean="0"/>
               <a:t>data/</a:t>
             </a:r>
             <a:r>
-              <a:rPr lang="fr-FR" dirty="0" err="1" smtClean="0"/>
+              <a:rPr lang="fr-FR" sz="1900" dirty="0" err="1" smtClean="0"/>
               <a:t>raw</a:t>
             </a:r>
             <a:r>
-              <a:rPr lang="fr-FR" dirty="0" smtClean="0"/>
-              <a:t>/JO/data/version=20190709232905/2018-summer/xxxxx.csv</a:t>
-            </a:r>
-            <a:endParaRPr lang="fr-FR" dirty="0" smtClean="0"/>
+              <a:rPr lang="fr-FR" sz="1900" dirty="0" smtClean="0"/>
+              <a:t>/JO/data/version=20190709/2016-summer/xxxxx.csv</a:t>
+            </a:r>
+            <a:endParaRPr lang="fr-FR" sz="1900" dirty="0" smtClean="0"/>
           </a:p>
           <a:p>
             <a:pPr lvl="1"/>
@@ -11880,12 +12053,12 @@
           <a:p>
             <a:pPr lvl="2"/>
             <a:r>
-              <a:rPr lang="fr-FR" dirty="0" smtClean="0">
+              <a:rPr lang="fr-FR" dirty="0" err="1" smtClean="0">
                 <a:solidFill>
                   <a:srgbClr val="FF0000"/>
                 </a:solidFill>
               </a:rPr>
-              <a:t>Scripts </a:t>
+              <a:t>Schema</a:t>
             </a:r>
             <a:r>
               <a:rPr lang="fr-FR" dirty="0" smtClean="0">
@@ -11909,8 +12082,37 @@
                   <a:srgbClr val="FF0000"/>
                 </a:solidFill>
               </a:rPr>
-              <a:t> 1.1</a:t>
-            </a:r>
+              <a:t> </a:t>
+            </a:r>
+            <a:r>
+              <a:rPr lang="fr-FR" dirty="0" smtClean="0">
+                <a:solidFill>
+                  <a:srgbClr val="FF0000"/>
+                </a:solidFill>
+              </a:rPr>
+              <a:t>1.1 (</a:t>
+            </a:r>
+            <a:r>
+              <a:rPr lang="fr-FR" dirty="0" err="1" smtClean="0">
+                <a:solidFill>
+                  <a:srgbClr val="FF0000"/>
+                </a:solidFill>
+              </a:rPr>
+              <a:t>todo</a:t>
+            </a:r>
+            <a:r>
+              <a:rPr lang="fr-FR" dirty="0" smtClean="0">
+                <a:solidFill>
+                  <a:srgbClr val="FF0000"/>
+                </a:solidFill>
+              </a:rPr>
+              <a:t>)</a:t>
+            </a:r>
+            <a:endParaRPr lang="fr-FR" dirty="0" smtClean="0">
+              <a:solidFill>
+                <a:srgbClr val="FF0000"/>
+              </a:solidFill>
+            </a:endParaRPr>
           </a:p>
           <a:p>
             <a:pPr lvl="1"/>
@@ -11972,11 +12174,7 @@
           <a:p>
             <a:r>
               <a:rPr lang="fr-FR" dirty="0" smtClean="0"/>
-              <a:t>UC1 – </a:t>
-            </a:r>
-            <a:r>
-              <a:rPr lang="fr-FR" dirty="0" smtClean="0"/>
-              <a:t>Scripts - Ingestion - </a:t>
+              <a:t>UC1 – Scripts - Ingestion - </a:t>
             </a:r>
             <a:r>
               <a:rPr lang="fr-FR" dirty="0" err="1" smtClean="0"/>
@@ -12065,223 +12263,243 @@
             </a:r>
             <a:r>
               <a:rPr lang="fr-FR" dirty="0" smtClean="0"/>
-              <a:t> csv files to parquet files</a:t>
+              <a:t> csv files to parquet files.</a:t>
+            </a:r>
+          </a:p>
+          <a:p>
+            <a:pPr lvl="1"/>
+            <a:r>
+              <a:rPr lang="fr-FR" dirty="0" smtClean="0"/>
+              <a:t>Files </a:t>
+            </a:r>
+            <a:r>
+              <a:rPr lang="fr-FR" dirty="0" err="1" smtClean="0"/>
+              <a:t>transformed</a:t>
+            </a:r>
+            <a:r>
+              <a:rPr lang="fr-FR" dirty="0" smtClean="0"/>
+              <a:t> are store </a:t>
+            </a:r>
+            <a:r>
+              <a:rPr lang="fr-FR" dirty="0" err="1" smtClean="0"/>
+              <a:t>into</a:t>
+            </a:r>
+            <a:r>
+              <a:rPr lang="fr-FR" dirty="0" smtClean="0"/>
+              <a:t> a </a:t>
+            </a:r>
+            <a:r>
+              <a:rPr lang="fr-FR" dirty="0" err="1" smtClean="0"/>
+              <a:t>specify</a:t>
+            </a:r>
+            <a:r>
+              <a:rPr lang="fr-FR" dirty="0" smtClean="0"/>
+              <a:t> </a:t>
+            </a:r>
+            <a:r>
+              <a:rPr lang="fr-FR" dirty="0" err="1" smtClean="0"/>
+              <a:t>folder</a:t>
+            </a:r>
+            <a:r>
+              <a:rPr lang="fr-FR" dirty="0" smtClean="0"/>
+              <a:t> on </a:t>
+            </a:r>
+            <a:r>
+              <a:rPr lang="fr-FR" dirty="0" err="1" smtClean="0"/>
+              <a:t>our</a:t>
+            </a:r>
+            <a:r>
+              <a:rPr lang="fr-FR" dirty="0" smtClean="0"/>
+              <a:t> cluster. This </a:t>
+            </a:r>
+            <a:r>
+              <a:rPr lang="fr-FR" dirty="0" err="1" smtClean="0"/>
+              <a:t>folder</a:t>
+            </a:r>
+            <a:r>
+              <a:rPr lang="fr-FR" dirty="0" smtClean="0"/>
+              <a:t> </a:t>
+            </a:r>
+            <a:r>
+              <a:rPr lang="fr-FR" dirty="0" err="1" smtClean="0"/>
+              <a:t>is</a:t>
+            </a:r>
+            <a:r>
+              <a:rPr lang="fr-FR" dirty="0" smtClean="0"/>
+              <a:t> « </a:t>
+            </a:r>
+            <a:r>
+              <a:rPr lang="fr-FR" dirty="0" err="1" smtClean="0"/>
+              <a:t>lake</a:t>
+            </a:r>
+            <a:r>
+              <a:rPr lang="fr-FR" dirty="0" smtClean="0"/>
+              <a:t> ».</a:t>
+            </a:r>
+          </a:p>
+          <a:p>
+            <a:pPr lvl="1"/>
+            <a:r>
+              <a:rPr lang="fr-FR" dirty="0" err="1" smtClean="0"/>
+              <a:t>Each</a:t>
+            </a:r>
+            <a:r>
+              <a:rPr lang="fr-FR" dirty="0" smtClean="0"/>
+              <a:t> time the workflow </a:t>
+            </a:r>
+            <a:r>
+              <a:rPr lang="fr-FR" dirty="0" err="1" smtClean="0"/>
+              <a:t>will</a:t>
+            </a:r>
+            <a:r>
+              <a:rPr lang="fr-FR" dirty="0" smtClean="0"/>
+              <a:t> </a:t>
+            </a:r>
+            <a:r>
+              <a:rPr lang="fr-FR" dirty="0" err="1" smtClean="0"/>
+              <a:t>run</a:t>
+            </a:r>
+            <a:r>
+              <a:rPr lang="fr-FR" dirty="0" smtClean="0"/>
+              <a:t>, the parquet files </a:t>
+            </a:r>
+            <a:r>
+              <a:rPr lang="fr-FR" dirty="0" err="1" smtClean="0"/>
+              <a:t>will</a:t>
+            </a:r>
+            <a:r>
+              <a:rPr lang="fr-FR" dirty="0" smtClean="0"/>
+              <a:t> </a:t>
+            </a:r>
+            <a:r>
+              <a:rPr lang="fr-FR" dirty="0" err="1" smtClean="0"/>
+              <a:t>be</a:t>
+            </a:r>
+            <a:r>
+              <a:rPr lang="fr-FR" dirty="0" smtClean="0"/>
+              <a:t> </a:t>
+            </a:r>
+            <a:r>
+              <a:rPr lang="fr-FR" dirty="0" err="1" smtClean="0"/>
+              <a:t>replaced</a:t>
             </a:r>
             <a:r>
               <a:rPr lang="fr-FR" dirty="0" smtClean="0"/>
               <a:t>.</a:t>
             </a:r>
-            <a:endParaRPr lang="fr-FR" dirty="0" smtClean="0"/>
           </a:p>
           <a:p>
             <a:pPr lvl="1"/>
             <a:r>
               <a:rPr lang="fr-FR" dirty="0" smtClean="0"/>
-              <a:t>Files </a:t>
-            </a:r>
-            <a:r>
-              <a:rPr lang="fr-FR" dirty="0" err="1" smtClean="0"/>
-              <a:t>transformed</a:t>
-            </a:r>
-            <a:r>
-              <a:rPr lang="fr-FR" dirty="0" smtClean="0"/>
-              <a:t> are store </a:t>
-            </a:r>
-            <a:r>
-              <a:rPr lang="fr-FR" dirty="0" err="1" smtClean="0"/>
-              <a:t>into</a:t>
-            </a:r>
-            <a:r>
-              <a:rPr lang="fr-FR" dirty="0" smtClean="0"/>
-              <a:t> </a:t>
-            </a:r>
-            <a:r>
-              <a:rPr lang="fr-FR" dirty="0" smtClean="0"/>
-              <a:t>a </a:t>
-            </a:r>
-            <a:r>
-              <a:rPr lang="fr-FR" dirty="0" err="1" smtClean="0"/>
-              <a:t>specify</a:t>
-            </a:r>
-            <a:r>
-              <a:rPr lang="fr-FR" dirty="0" smtClean="0"/>
-              <a:t> </a:t>
-            </a:r>
-            <a:r>
-              <a:rPr lang="fr-FR" dirty="0" err="1" smtClean="0"/>
-              <a:t>folder</a:t>
-            </a:r>
-            <a:r>
-              <a:rPr lang="fr-FR" dirty="0" smtClean="0"/>
-              <a:t> on </a:t>
-            </a:r>
-            <a:r>
-              <a:rPr lang="fr-FR" dirty="0" err="1" smtClean="0"/>
-              <a:t>our</a:t>
-            </a:r>
-            <a:r>
-              <a:rPr lang="fr-FR" dirty="0" smtClean="0"/>
-              <a:t> </a:t>
-            </a:r>
-            <a:r>
-              <a:rPr lang="fr-FR" dirty="0" smtClean="0"/>
-              <a:t>cluster. This </a:t>
-            </a:r>
-            <a:r>
-              <a:rPr lang="fr-FR" dirty="0" err="1" smtClean="0"/>
-              <a:t>folder</a:t>
-            </a:r>
-            <a:r>
-              <a:rPr lang="fr-FR" dirty="0" smtClean="0"/>
-              <a:t> </a:t>
-            </a:r>
-            <a:r>
-              <a:rPr lang="fr-FR" dirty="0" err="1" smtClean="0"/>
-              <a:t>is</a:t>
-            </a:r>
-            <a:r>
-              <a:rPr lang="fr-FR" dirty="0" smtClean="0"/>
-              <a:t> « </a:t>
-            </a:r>
-            <a:r>
-              <a:rPr lang="fr-FR" dirty="0" err="1" smtClean="0"/>
+              <a:t>A </a:t>
+            </a:r>
+            <a:r>
+              <a:rPr lang="fr-FR" dirty="0" err="1" smtClean="0"/>
+              <a:t>path</a:t>
+            </a:r>
+            <a:r>
+              <a:rPr lang="fr-FR" dirty="0" smtClean="0"/>
+              <a:t> </a:t>
+            </a:r>
+            <a:r>
+              <a:rPr lang="fr-FR" dirty="0" err="1" smtClean="0"/>
+              <a:t>example</a:t>
+            </a:r>
+            <a:r>
+              <a:rPr lang="fr-FR" dirty="0" smtClean="0"/>
+              <a:t> </a:t>
+            </a:r>
+            <a:r>
+              <a:rPr lang="fr-FR" dirty="0" err="1" smtClean="0"/>
+              <a:t>can</a:t>
+            </a:r>
+            <a:r>
+              <a:rPr lang="fr-FR" dirty="0" smtClean="0"/>
+              <a:t> </a:t>
+            </a:r>
+            <a:r>
+              <a:rPr lang="fr-FR" dirty="0" err="1" smtClean="0"/>
+              <a:t>be</a:t>
+            </a:r>
+            <a:r>
+              <a:rPr lang="fr-FR" dirty="0" smtClean="0"/>
+              <a:t>: /</a:t>
+            </a:r>
+            <a:r>
+              <a:rPr lang="fr-FR" dirty="0" err="1"/>
+              <a:t>dev</a:t>
+            </a:r>
+            <a:r>
+              <a:rPr lang="fr-FR" dirty="0"/>
+              <a:t>/</a:t>
+            </a:r>
+            <a:r>
+              <a:rPr lang="fr-FR" dirty="0" err="1"/>
               <a:t>lake</a:t>
             </a:r>
             <a:r>
-              <a:rPr lang="fr-FR" dirty="0" smtClean="0"/>
-              <a:t> ».</a:t>
-            </a:r>
-            <a:endParaRPr lang="fr-FR" dirty="0" smtClean="0"/>
+              <a:rPr lang="fr-FR" dirty="0"/>
+              <a:t>/JO/data/</a:t>
+            </a:r>
+            <a:r>
+              <a:rPr lang="fr-FR" dirty="0" err="1"/>
+              <a:t>Games</a:t>
+            </a:r>
+            <a:r>
+              <a:rPr lang="fr-FR" dirty="0"/>
+              <a:t>=2016-Summer/</a:t>
+            </a:r>
+            <a:r>
+              <a:rPr lang="fr-FR" dirty="0" err="1"/>
+              <a:t>xxxxx.parquet</a:t>
+            </a:r>
+            <a:endParaRPr lang="fr-FR" dirty="0"/>
           </a:p>
           <a:p>
             <a:pPr lvl="1"/>
-            <a:r>
-              <a:rPr lang="fr-FR" dirty="0" err="1" smtClean="0"/>
-              <a:t>Each</a:t>
-            </a:r>
-            <a:r>
-              <a:rPr lang="fr-FR" dirty="0" smtClean="0"/>
-              <a:t> time the workflow </a:t>
-            </a:r>
-            <a:r>
-              <a:rPr lang="fr-FR" dirty="0" err="1" smtClean="0"/>
-              <a:t>will</a:t>
-            </a:r>
-            <a:r>
-              <a:rPr lang="fr-FR" dirty="0" smtClean="0"/>
-              <a:t> </a:t>
-            </a:r>
-            <a:r>
-              <a:rPr lang="fr-FR" dirty="0" err="1" smtClean="0"/>
-              <a:t>run</a:t>
-            </a:r>
-            <a:r>
-              <a:rPr lang="fr-FR" dirty="0" smtClean="0"/>
-              <a:t>, the parquet files </a:t>
-            </a:r>
-            <a:r>
-              <a:rPr lang="fr-FR" dirty="0" err="1" smtClean="0"/>
-              <a:t>will</a:t>
-            </a:r>
-            <a:r>
-              <a:rPr lang="fr-FR" dirty="0" smtClean="0"/>
-              <a:t> </a:t>
-            </a:r>
-            <a:r>
-              <a:rPr lang="fr-FR" dirty="0" err="1" smtClean="0"/>
-              <a:t>be</a:t>
-            </a:r>
-            <a:r>
-              <a:rPr lang="fr-FR" dirty="0" smtClean="0"/>
-              <a:t> </a:t>
-            </a:r>
-            <a:r>
-              <a:rPr lang="fr-FR" dirty="0" err="1" smtClean="0"/>
-              <a:t>replaced</a:t>
-            </a:r>
-            <a:r>
-              <a:rPr lang="fr-FR" dirty="0" smtClean="0"/>
-              <a:t>.</a:t>
-            </a:r>
-            <a:endParaRPr lang="fr-FR" dirty="0" smtClean="0"/>
-          </a:p>
-          <a:p>
-            <a:pPr lvl="1"/>
-            <a:r>
-              <a:rPr lang="fr-FR" dirty="0" smtClean="0"/>
-              <a:t>A </a:t>
-            </a:r>
-            <a:r>
-              <a:rPr lang="fr-FR" dirty="0" err="1" smtClean="0"/>
-              <a:t>path</a:t>
-            </a:r>
-            <a:r>
-              <a:rPr lang="fr-FR" dirty="0" smtClean="0"/>
-              <a:t> </a:t>
-            </a:r>
-            <a:r>
-              <a:rPr lang="fr-FR" dirty="0" err="1" smtClean="0"/>
-              <a:t>example</a:t>
-            </a:r>
-            <a:r>
-              <a:rPr lang="fr-FR" dirty="0" smtClean="0"/>
-              <a:t> </a:t>
-            </a:r>
-            <a:r>
-              <a:rPr lang="fr-FR" dirty="0" err="1" smtClean="0"/>
-              <a:t>can</a:t>
-            </a:r>
-            <a:r>
-              <a:rPr lang="fr-FR" dirty="0" smtClean="0"/>
-              <a:t> </a:t>
-            </a:r>
-            <a:r>
-              <a:rPr lang="fr-FR" dirty="0" err="1" smtClean="0"/>
-              <a:t>be</a:t>
-            </a:r>
-            <a:r>
-              <a:rPr lang="fr-FR" dirty="0" smtClean="0"/>
-              <a:t>: </a:t>
-            </a:r>
-            <a:r>
-              <a:rPr lang="fr-FR" dirty="0" smtClean="0"/>
-              <a:t>/</a:t>
-            </a:r>
-            <a:r>
-              <a:rPr lang="fr-FR" dirty="0" err="1" smtClean="0"/>
-              <a:t>dev</a:t>
-            </a:r>
-            <a:r>
-              <a:rPr lang="fr-FR" dirty="0" smtClean="0"/>
-              <a:t>/</a:t>
-            </a:r>
-            <a:r>
-              <a:rPr lang="fr-FR" dirty="0" err="1" smtClean="0"/>
-              <a:t>lake</a:t>
-            </a:r>
-            <a:r>
-              <a:rPr lang="fr-FR" dirty="0" smtClean="0"/>
-              <a:t>/JO/data/2018-summer/</a:t>
-            </a:r>
-            <a:r>
-              <a:rPr lang="fr-FR" dirty="0" err="1" smtClean="0"/>
-              <a:t>xxxxx.parquet</a:t>
-            </a:r>
-            <a:endParaRPr lang="fr-FR" dirty="0" smtClean="0"/>
-          </a:p>
-          <a:p>
-            <a:pPr lvl="1"/>
-            <a:endParaRPr lang="fr-FR" dirty="0"/>
-          </a:p>
-          <a:p>
-            <a:pPr lvl="2"/>
             <a:r>
               <a:rPr lang="fr-FR" dirty="0" smtClean="0">
                 <a:solidFill>
                   <a:srgbClr val="FF0000"/>
                 </a:solidFill>
               </a:rPr>
-              <a:t>Scripts </a:t>
+              <a:t>(</a:t>
+            </a:r>
+            <a:r>
+              <a:rPr lang="fr-FR" dirty="0" err="1" smtClean="0">
+                <a:solidFill>
+                  <a:srgbClr val="FF0000"/>
+                </a:solidFill>
+              </a:rPr>
+              <a:t>todo</a:t>
+            </a:r>
+            <a:r>
+              <a:rPr lang="fr-FR" dirty="0" smtClean="0">
+                <a:solidFill>
+                  <a:srgbClr val="FF0000"/>
+                </a:solidFill>
+              </a:rPr>
+              <a:t> faire fonctionner la copie sur le Lake)</a:t>
+            </a:r>
+          </a:p>
+          <a:p>
+            <a:pPr lvl="1"/>
+            <a:endParaRPr lang="fr-FR" dirty="0">
+              <a:solidFill>
+                <a:srgbClr val="FF0000"/>
+              </a:solidFill>
+            </a:endParaRPr>
+          </a:p>
+          <a:p>
+            <a:pPr lvl="2"/>
+            <a:r>
+              <a:rPr lang="fr-FR" dirty="0" err="1" smtClean="0">
+                <a:solidFill>
+                  <a:srgbClr val="FF0000"/>
+                </a:solidFill>
+              </a:rPr>
+              <a:t>Schema</a:t>
             </a:r>
             <a:r>
               <a:rPr lang="fr-FR" dirty="0" smtClean="0">
@@ -12313,7 +12531,23 @@
                   <a:srgbClr val="FF0000"/>
                 </a:solidFill>
               </a:rPr>
-              <a:t>1.2</a:t>
+              <a:t>1.2 (</a:t>
+            </a:r>
+            <a:r>
+              <a:rPr lang="fr-FR" dirty="0" err="1" smtClean="0">
+                <a:solidFill>
+                  <a:srgbClr val="FF0000"/>
+                </a:solidFill>
+              </a:rPr>
+              <a:t>todo</a:t>
+            </a:r>
+            <a:r>
+              <a:rPr lang="fr-FR" dirty="0" smtClean="0">
+                <a:solidFill>
+                  <a:srgbClr val="FF0000"/>
+                </a:solidFill>
+              </a:rPr>
+              <a:t>)</a:t>
             </a:r>
             <a:endParaRPr lang="fr-FR" dirty="0" smtClean="0">
               <a:solidFill>
